--- a/国美互联网PPT答辩-尚魁.pptx
+++ b/国美互联网PPT答辩-尚魁.pptx
@@ -5,21 +5,19 @@
     <p:sldMasterId id="2147483648" r:id="rId1"/>
   </p:sldMasterIdLst>
   <p:notesMasterIdLst>
-    <p:notesMasterId r:id="rId19"/>
+    <p:notesMasterId r:id="rId10"/>
   </p:notesMasterIdLst>
   <p:handoutMasterIdLst>
-    <p:handoutMasterId r:id="rId20"/>
+    <p:handoutMasterId r:id="rId19"/>
   </p:handoutMasterIdLst>
   <p:sldIdLst>
-    <p:sldId id="273" r:id="rId2"/>
-    <p:sldId id="274" r:id="rId3"/>
+    <p:sldId id="273" r:id="rId3"/>
     <p:sldId id="275" r:id="rId4"/>
     <p:sldId id="276" r:id="rId5"/>
     <p:sldId id="288" r:id="rId6"/>
     <p:sldId id="278" r:id="rId7"/>
     <p:sldId id="282" r:id="rId8"/>
-    <p:sldId id="283" r:id="rId9"/>
-    <p:sldId id="289" r:id="rId10"/>
+    <p:sldId id="289" r:id="rId9"/>
     <p:sldId id="284" r:id="rId11"/>
     <p:sldId id="285" r:id="rId12"/>
     <p:sldId id="286" r:id="rId13"/>
@@ -126,27 +124,11 @@
       </a:defRPr>
     </a:lvl9pPr>
   </p:defaultTextStyle>
-  <p:extLst>
-    <p:ext uri="{EFAFB233-063F-42B5-8137-9DF3F51BA10A}">
-      <p15:sldGuideLst xmlns:p15="http://schemas.microsoft.com/office/powerpoint/2012/main">
-        <p15:guide id="1" orient="horz" pos="1595">
-          <p15:clr>
-            <a:srgbClr val="A4A3A4"/>
-          </p15:clr>
-        </p15:guide>
-        <p15:guide id="2" pos="2800">
-          <p15:clr>
-            <a:srgbClr val="A4A3A4"/>
-          </p15:clr>
-        </p15:guide>
-      </p15:sldGuideLst>
-    </p:ext>
-  </p:extLst>
 </p:presentation>
 </file>
 
 <file path=ppt/charts/chart1.xml><?xml version="1.0" encoding="utf-8"?>
-<c:chartSpace xmlns:c="http://schemas.openxmlformats.org/drawingml/2006/chart" xmlns:a="http://schemas.openxmlformats.org/drawingml/2006/main" xmlns:r="http://schemas.openxmlformats.org/officeDocument/2006/relationships" xmlns:c16r2="http://schemas.microsoft.com/office/drawing/2015/06/chart">
+<c:chartSpace xmlns:c="http://schemas.openxmlformats.org/drawingml/2006/chart" xmlns:a="http://schemas.openxmlformats.org/drawingml/2006/main" xmlns:r="http://schemas.openxmlformats.org/officeDocument/2006/relationships">
   <c:date1904 val="0"/>
   <c:lang val="zh-CN"/>
   <c:roundedCorners val="0"/>
@@ -159,7 +141,7 @@
     </mc:Fallback>
   </mc:AlternateContent>
   <c:chart>
-    <c:autoTitleDeleted val="0"/>
+    <c:autoTitleDeleted val="1"/>
     <c:plotArea>
       <c:layout/>
       <c:barChart>
@@ -216,6 +198,9 @@
             </a:effectLst>
           </c:spPr>
           <c:invertIfNegative val="0"/>
+          <c:dLbls>
+            <c:delete val="1"/>
+          </c:dLbls>
           <c:cat>
             <c:strRef>
               <c:f>工作表1!$A$2:$A$12</c:f>
@@ -299,11 +284,6 @@
               </c:numCache>
             </c:numRef>
           </c:val>
-          <c:extLst>
-            <c:ext xmlns:c16="http://schemas.microsoft.com/office/drawing/2014/chart" uri="{C3380CC4-5D6E-409C-BE32-E72D297353CC}">
-              <c16:uniqueId val="{00000000-1D91-4851-AB86-D8A0006124F0}"/>
-            </c:ext>
-          </c:extLst>
         </c:ser>
         <c:ser>
           <c:idx val="1"/>
@@ -355,6 +335,9 @@
             </a:effectLst>
           </c:spPr>
           <c:invertIfNegative val="0"/>
+          <c:dLbls>
+            <c:delete val="1"/>
+          </c:dLbls>
           <c:cat>
             <c:strRef>
               <c:f>工作表1!$A$2:$A$12</c:f>
@@ -438,11 +421,6 @@
               </c:numCache>
             </c:numRef>
           </c:val>
-          <c:extLst>
-            <c:ext xmlns:c16="http://schemas.microsoft.com/office/drawing/2014/chart" uri="{C3380CC4-5D6E-409C-BE32-E72D297353CC}">
-              <c16:uniqueId val="{00000001-1D91-4851-AB86-D8A0006124F0}"/>
-            </c:ext>
-          </c:extLst>
         </c:ser>
         <c:dLbls>
           <c:showLegendKey val="0"/>
@@ -486,7 +464,7 @@
           <a:lstStyle/>
           <a:p>
             <a:pPr>
-              <a:defRPr sz="1197" b="0" i="0" u="none" strike="noStrike" kern="1200" baseline="0">
+              <a:defRPr lang="zh-CN" sz="1195" b="0" i="0" u="none" strike="noStrike" kern="1200" baseline="0">
                 <a:solidFill>
                   <a:schemeClr val="tx2"/>
                 </a:solidFill>
@@ -495,7 +473,6 @@
                 <a:cs typeface="+mn-cs"/>
               </a:defRPr>
             </a:pPr>
-            <a:endParaRPr lang="zh-CN"/>
           </a:p>
         </c:txPr>
         <c:crossAx val="2111954056"/>
@@ -542,7 +519,7 @@
           <a:lstStyle/>
           <a:p>
             <a:pPr>
-              <a:defRPr sz="1197" b="0" i="0" u="none" strike="noStrike" kern="1200" baseline="0">
+              <a:defRPr lang="zh-CN" sz="1195" b="0" i="0" u="none" strike="noStrike" kern="1200" baseline="0">
                 <a:solidFill>
                   <a:schemeClr val="tx2"/>
                 </a:solidFill>
@@ -551,7 +528,6 @@
                 <a:cs typeface="+mn-cs"/>
               </a:defRPr>
             </a:pPr>
-            <a:endParaRPr lang="zh-CN"/>
           </a:p>
         </c:txPr>
         <c:crossAx val="2111957048"/>
@@ -582,7 +558,7 @@
         <a:lstStyle/>
         <a:p>
           <a:pPr>
-            <a:defRPr sz="1197" b="0" i="0" u="none" strike="noStrike" kern="1200" baseline="0">
+            <a:defRPr lang="zh-CN" sz="1195" b="0" i="0" u="none" strike="noStrike" kern="1200" baseline="0">
               <a:solidFill>
                 <a:schemeClr val="tx2"/>
               </a:solidFill>
@@ -591,7 +567,6 @@
               <a:cs typeface="+mn-cs"/>
             </a:defRPr>
           </a:pPr>
-          <a:endParaRPr lang="zh-CN"/>
         </a:p>
       </c:txPr>
     </c:legend>
@@ -611,12 +586,11 @@
     <a:lstStyle/>
     <a:p>
       <a:pPr>
-        <a:defRPr/>
+        <a:defRPr lang="zh-CN"/>
       </a:pPr>
-      <a:endParaRPr lang="zh-CN"/>
     </a:p>
   </c:txPr>
-  <c:externalData r:id="rId3">
+  <c:externalData r:id="rId1">
     <c:autoUpdate val="0"/>
   </c:externalData>
 </c:chartSpace>
@@ -671,7 +645,7 @@
     <cs:fontRef idx="minor">
       <a:schemeClr val="tx2"/>
     </cs:fontRef>
-    <cs:defRPr sz="1197" b="1" kern="1200"/>
+    <cs:defRPr sz="1195" b="1" kern="1200"/>
   </cs:axisTitle>
   <cs:categoryAxis>
     <cs:lnRef idx="0"/>
@@ -691,7 +665,7 @@
         <a:round/>
       </a:ln>
     </cs:spPr>
-    <cs:defRPr sz="1197" kern="1200"/>
+    <cs:defRPr sz="1195" kern="1200"/>
   </cs:categoryAxis>
   <cs:chartArea mods="allowNoFillOverride allowNoLineOverride">
     <cs:lnRef idx="0"/>
@@ -714,7 +688,7 @@
         <a:round/>
       </a:ln>
     </cs:spPr>
-    <cs:defRPr sz="1197" kern="1200"/>
+    <cs:defRPr sz="1195" kern="1200"/>
   </cs:chartArea>
   <cs:dataLabel>
     <cs:lnRef idx="0"/>
@@ -723,7 +697,7 @@
     <cs:fontRef idx="minor">
       <a:schemeClr val="tx2"/>
     </cs:fontRef>
-    <cs:defRPr sz="1197" kern="1200"/>
+    <cs:defRPr sz="1195" kern="1200"/>
   </cs:dataLabel>
   <cs:dataLabelCallout>
     <cs:lnRef idx="0"/>
@@ -747,7 +721,7 @@
         </a:solidFill>
       </a:ln>
     </cs:spPr>
-    <cs:defRPr sz="1197" kern="1200"/>
+    <cs:defRPr sz="1195" kern="1200"/>
     <cs:bodyPr rot="0" spcFirstLastPara="1" vertOverflow="clip" horzOverflow="clip" vert="horz" wrap="square" lIns="36576" tIns="18288" rIns="36576" bIns="18288" anchor="ctr" anchorCtr="1">
       <a:spAutoFit/>
     </cs:bodyPr>
@@ -844,7 +818,7 @@
         </a:solidFill>
       </a:ln>
     </cs:spPr>
-    <cs:defRPr sz="1197" kern="1200"/>
+    <cs:defRPr sz="1195" kern="1200"/>
   </cs:dataTable>
   <cs:downBar>
     <cs:lnRef idx="0"/>
@@ -997,7 +971,7 @@
     <cs:fontRef idx="minor">
       <a:schemeClr val="tx2"/>
     </cs:fontRef>
-    <cs:defRPr sz="1197" kern="1200"/>
+    <cs:defRPr sz="1195" kern="1200"/>
   </cs:legend>
   <cs:plotArea>
     <cs:lnRef idx="0"/>
@@ -1033,7 +1007,7 @@
         <a:round/>
       </a:ln>
     </cs:spPr>
-    <cs:defRPr sz="1197" kern="1200"/>
+    <cs:defRPr sz="1195" kern="1200"/>
   </cs:seriesAxis>
   <cs:seriesLine>
     <cs:lnRef idx="0"/>
@@ -1061,7 +1035,7 @@
     <cs:fontRef idx="minor">
       <a:schemeClr val="tx2"/>
     </cs:fontRef>
-    <cs:defRPr sz="2128" b="1" kern="1200"/>
+    <cs:defRPr sz="2130" b="1" kern="1200"/>
   </cs:title>
   <cs:trendline>
     <cs:lnRef idx="0">
@@ -1088,7 +1062,7 @@
     <cs:fontRef idx="minor">
       <a:schemeClr val="tx2"/>
     </cs:fontRef>
-    <cs:defRPr sz="1197" kern="1200"/>
+    <cs:defRPr sz="1195" kern="1200"/>
   </cs:trendlineLabel>
   <cs:upBar>
     <cs:lnRef idx="0"/>
@@ -1118,7 +1092,7 @@
     <cs:fontRef idx="minor">
       <a:schemeClr val="tx2"/>
     </cs:fontRef>
-    <cs:defRPr sz="1197" kern="1200"/>
+    <cs:defRPr sz="1195" kern="1200"/>
   </cs:valueAxis>
   <cs:wall>
     <cs:lnRef idx="0"/>
@@ -1213,7 +1187,6 @@
           <a:p>
             <a:fld id="{5F920F0F-0E56-2B45-B1BF-268524318682}" type="datetimeFigureOut">
               <a:rPr kumimoji="1" lang="zh-CN" altLang="en-US" smtClean="0"/>
-              <a:t>2017/7/9</a:t>
             </a:fld>
             <a:endParaRPr kumimoji="1" lang="zh-CN" altLang="en-US"/>
           </a:p>
@@ -1279,7 +1252,6 @@
           <a:p>
             <a:fld id="{DE1A26BA-2BD7-424D-9E31-04AA10F01EFC}" type="slidenum">
               <a:rPr kumimoji="1" lang="zh-CN" altLang="en-US" smtClean="0"/>
-              <a:t>‹#›</a:t>
             </a:fld>
             <a:endParaRPr kumimoji="1" lang="zh-CN" altLang="en-US"/>
           </a:p>
@@ -1374,7 +1346,6 @@
           <a:p>
             <a:fld id="{FB86081A-1E41-D34E-AC33-11FD77CCCD8D}" type="datetimeFigureOut">
               <a:rPr kumimoji="1" lang="zh-CN" altLang="en-US" smtClean="0"/>
-              <a:t>2017/7/9</a:t>
             </a:fld>
             <a:endParaRPr kumimoji="1" lang="zh-CN" altLang="en-US"/>
           </a:p>
@@ -1441,6 +1412,7 @@
               <a:rPr kumimoji="1" lang="zh-CN" altLang="en-US" smtClean="0"/>
               <a:t>单击此处编辑母版文本样式</a:t>
             </a:r>
+            <a:endParaRPr kumimoji="1" lang="zh-CN" altLang="en-US" smtClean="0"/>
           </a:p>
           <a:p>
             <a:pPr lvl="1"/>
@@ -1448,6 +1420,7 @@
               <a:rPr kumimoji="1" lang="zh-CN" altLang="en-US" smtClean="0"/>
               <a:t>二级</a:t>
             </a:r>
+            <a:endParaRPr kumimoji="1" lang="zh-CN" altLang="en-US" smtClean="0"/>
           </a:p>
           <a:p>
             <a:pPr lvl="2"/>
@@ -1455,6 +1428,7 @@
               <a:rPr kumimoji="1" lang="zh-CN" altLang="en-US" smtClean="0"/>
               <a:t>三级</a:t>
             </a:r>
+            <a:endParaRPr kumimoji="1" lang="zh-CN" altLang="en-US" smtClean="0"/>
           </a:p>
           <a:p>
             <a:pPr lvl="3"/>
@@ -1462,6 +1436,7 @@
               <a:rPr kumimoji="1" lang="zh-CN" altLang="en-US" smtClean="0"/>
               <a:t>四级</a:t>
             </a:r>
+            <a:endParaRPr kumimoji="1" lang="zh-CN" altLang="en-US" smtClean="0"/>
           </a:p>
           <a:p>
             <a:pPr lvl="4"/>
@@ -1533,7 +1508,6 @@
           <a:p>
             <a:fld id="{8AF453D5-9B32-8F40-BF12-CF5772967439}" type="slidenum">
               <a:rPr kumimoji="1" lang="zh-CN" altLang="en-US" smtClean="0"/>
-              <a:t>‹#›</a:t>
             </a:fld>
             <a:endParaRPr kumimoji="1" lang="zh-CN" altLang="en-US"/>
           </a:p>
@@ -1703,102 +1677,12 @@
           <a:p>
             <a:fld id="{8AF453D5-9B32-8F40-BF12-CF5772967439}" type="slidenum">
               <a:rPr kumimoji="1" lang="zh-CN" altLang="en-US" smtClean="0"/>
-              <a:t>7</a:t>
             </a:fld>
             <a:endParaRPr kumimoji="1" lang="zh-CN" altLang="en-US"/>
           </a:p>
         </p:txBody>
       </p:sp>
     </p:spTree>
-    <p:extLst>
-      <p:ext uri="{BB962C8B-B14F-4D97-AF65-F5344CB8AC3E}">
-        <p14:creationId xmlns:p14="http://schemas.microsoft.com/office/powerpoint/2010/main" val="541140958"/>
-      </p:ext>
-    </p:extLst>
-  </p:cSld>
-  <p:clrMapOvr>
-    <a:masterClrMapping/>
-  </p:clrMapOvr>
-</p:notes>
-</file>
-
-<file path=ppt/notesSlides/notesSlide2.xml><?xml version="1.0" encoding="utf-8"?>
-<p:notes xmlns:a="http://schemas.openxmlformats.org/drawingml/2006/main" xmlns:r="http://schemas.openxmlformats.org/officeDocument/2006/relationships" xmlns:p="http://schemas.openxmlformats.org/presentationml/2006/main">
-  <p:cSld>
-    <p:spTree>
-      <p:nvGrpSpPr>
-        <p:cNvPr id="1" name=""/>
-        <p:cNvGrpSpPr/>
-        <p:nvPr/>
-      </p:nvGrpSpPr>
-      <p:grpSpPr>
-        <a:xfrm>
-          <a:off x="0" y="0"/>
-          <a:ext cx="0" cy="0"/>
-          <a:chOff x="0" y="0"/>
-          <a:chExt cx="0" cy="0"/>
-        </a:xfrm>
-      </p:grpSpPr>
-      <p:sp>
-        <p:nvSpPr>
-          <p:cNvPr id="2" name="幻灯片图像占位符 1"/>
-          <p:cNvSpPr>
-            <a:spLocks noGrp="1" noRot="1" noChangeAspect="1"/>
-          </p:cNvSpPr>
-          <p:nvPr>
-            <p:ph type="sldImg"/>
-          </p:nvPr>
-        </p:nvSpPr>
-        <p:spPr/>
-      </p:sp>
-      <p:sp>
-        <p:nvSpPr>
-          <p:cNvPr id="3" name="备注占位符 2"/>
-          <p:cNvSpPr>
-            <a:spLocks noGrp="1"/>
-          </p:cNvSpPr>
-          <p:nvPr>
-            <p:ph type="body" idx="1"/>
-          </p:nvPr>
-        </p:nvSpPr>
-        <p:spPr/>
-        <p:txBody>
-          <a:bodyPr/>
-          <a:lstStyle/>
-          <a:p>
-            <a:endParaRPr lang="zh-CN" altLang="en-US" dirty="0"/>
-          </a:p>
-        </p:txBody>
-      </p:sp>
-      <p:sp>
-        <p:nvSpPr>
-          <p:cNvPr id="4" name="灯片编号占位符 3"/>
-          <p:cNvSpPr>
-            <a:spLocks noGrp="1"/>
-          </p:cNvSpPr>
-          <p:nvPr>
-            <p:ph type="sldNum" sz="quarter" idx="10"/>
-          </p:nvPr>
-        </p:nvSpPr>
-        <p:spPr/>
-        <p:txBody>
-          <a:bodyPr/>
-          <a:lstStyle/>
-          <a:p>
-            <a:fld id="{8AF453D5-9B32-8F40-BF12-CF5772967439}" type="slidenum">
-              <a:rPr kumimoji="1" lang="zh-CN" altLang="en-US" smtClean="0"/>
-              <a:t>8</a:t>
-            </a:fld>
-            <a:endParaRPr kumimoji="1" lang="zh-CN" altLang="en-US"/>
-          </a:p>
-        </p:txBody>
-      </p:sp>
-    </p:spTree>
-    <p:extLst>
-      <p:ext uri="{BB962C8B-B14F-4D97-AF65-F5344CB8AC3E}">
-        <p14:creationId xmlns:p14="http://schemas.microsoft.com/office/powerpoint/2010/main" val="258225766"/>
-      </p:ext>
-    </p:extLst>
   </p:cSld>
   <p:clrMapOvr>
     <a:masterClrMapping/>
@@ -2376,6 +2260,7 @@
               <a:rPr lang="zh-CN" altLang="en-US" dirty="0" smtClean="0"/>
               <a:t>单击此处编辑母版文本样式</a:t>
             </a:r>
+            <a:endParaRPr lang="zh-CN" altLang="en-US" dirty="0" smtClean="0"/>
           </a:p>
           <a:p>
             <a:pPr lvl="1"/>
@@ -2383,6 +2268,7 @@
               <a:rPr lang="zh-CN" altLang="en-US" dirty="0" smtClean="0"/>
               <a:t>第二级</a:t>
             </a:r>
+            <a:endParaRPr lang="zh-CN" altLang="en-US" dirty="0" smtClean="0"/>
           </a:p>
           <a:p>
             <a:pPr lvl="2"/>
@@ -2390,6 +2276,7 @@
               <a:rPr lang="zh-CN" altLang="en-US" dirty="0" smtClean="0"/>
               <a:t>第三级</a:t>
             </a:r>
+            <a:endParaRPr lang="zh-CN" altLang="en-US" dirty="0" smtClean="0"/>
           </a:p>
           <a:p>
             <a:pPr lvl="3"/>
@@ -2397,6 +2284,7 @@
               <a:rPr lang="zh-CN" altLang="en-US" dirty="0" smtClean="0"/>
               <a:t>第四级</a:t>
             </a:r>
+            <a:endParaRPr lang="zh-CN" altLang="en-US" dirty="0" smtClean="0"/>
           </a:p>
           <a:p>
             <a:pPr lvl="4"/>
@@ -2644,6 +2532,7 @@
               <a:rPr lang="zh-CN" altLang="en-US" smtClean="0"/>
               <a:t>单击此处编辑母版文本样式</a:t>
             </a:r>
+            <a:endParaRPr lang="zh-CN" altLang="en-US" smtClean="0"/>
           </a:p>
           <a:p>
             <a:pPr lvl="1"/>
@@ -2651,6 +2540,7 @@
               <a:rPr lang="zh-CN" altLang="en-US" smtClean="0"/>
               <a:t>第二级</a:t>
             </a:r>
+            <a:endParaRPr lang="zh-CN" altLang="en-US" smtClean="0"/>
           </a:p>
           <a:p>
             <a:pPr lvl="2"/>
@@ -2658,6 +2548,7 @@
               <a:rPr lang="zh-CN" altLang="en-US" smtClean="0"/>
               <a:t>第三级</a:t>
             </a:r>
+            <a:endParaRPr lang="zh-CN" altLang="en-US" smtClean="0"/>
           </a:p>
           <a:p>
             <a:pPr lvl="3"/>
@@ -2665,6 +2556,7 @@
               <a:rPr lang="zh-CN" altLang="en-US" smtClean="0"/>
               <a:t>第四级</a:t>
             </a:r>
+            <a:endParaRPr lang="zh-CN" altLang="en-US" smtClean="0"/>
           </a:p>
           <a:p>
             <a:pPr lvl="4"/>
@@ -2923,6 +2815,7 @@
               <a:rPr lang="zh-CN" altLang="en-US" smtClean="0"/>
               <a:t>单击此处编辑母版文本样式</a:t>
             </a:r>
+            <a:endParaRPr lang="zh-CN" altLang="en-US" smtClean="0"/>
           </a:p>
           <a:p>
             <a:pPr lvl="1"/>
@@ -2930,6 +2823,7 @@
               <a:rPr lang="zh-CN" altLang="en-US" smtClean="0"/>
               <a:t>第二级</a:t>
             </a:r>
+            <a:endParaRPr lang="zh-CN" altLang="en-US" smtClean="0"/>
           </a:p>
           <a:p>
             <a:pPr lvl="2"/>
@@ -2937,6 +2831,7 @@
               <a:rPr lang="zh-CN" altLang="en-US" smtClean="0"/>
               <a:t>第三级</a:t>
             </a:r>
+            <a:endParaRPr lang="zh-CN" altLang="en-US" smtClean="0"/>
           </a:p>
           <a:p>
             <a:pPr lvl="3"/>
@@ -2944,6 +2839,7 @@
               <a:rPr lang="zh-CN" altLang="en-US" smtClean="0"/>
               <a:t>第四级</a:t>
             </a:r>
+            <a:endParaRPr lang="zh-CN" altLang="en-US" smtClean="0"/>
           </a:p>
           <a:p>
             <a:pPr lvl="4"/>
@@ -3010,6 +2906,7 @@
               <a:rPr lang="zh-CN" altLang="en-US" smtClean="0"/>
               <a:t>单击此处编辑母版文本样式</a:t>
             </a:r>
+            <a:endParaRPr lang="zh-CN" altLang="en-US" smtClean="0"/>
           </a:p>
           <a:p>
             <a:pPr lvl="1"/>
@@ -3017,6 +2914,7 @@
               <a:rPr lang="zh-CN" altLang="en-US" smtClean="0"/>
               <a:t>第二级</a:t>
             </a:r>
+            <a:endParaRPr lang="zh-CN" altLang="en-US" smtClean="0"/>
           </a:p>
           <a:p>
             <a:pPr lvl="2"/>
@@ -3024,6 +2922,7 @@
               <a:rPr lang="zh-CN" altLang="en-US" smtClean="0"/>
               <a:t>第三级</a:t>
             </a:r>
+            <a:endParaRPr lang="zh-CN" altLang="en-US" smtClean="0"/>
           </a:p>
           <a:p>
             <a:pPr lvl="3"/>
@@ -3031,6 +2930,7 @@
               <a:rPr lang="zh-CN" altLang="en-US" smtClean="0"/>
               <a:t>第四级</a:t>
             </a:r>
+            <a:endParaRPr lang="zh-CN" altLang="en-US" smtClean="0"/>
           </a:p>
           <a:p>
             <a:pPr lvl="4"/>
@@ -3353,6 +3253,7 @@
               <a:rPr lang="zh-CN" altLang="en-US" smtClean="0"/>
               <a:t>单击此处编辑母版文本样式</a:t>
             </a:r>
+            <a:endParaRPr lang="zh-CN" altLang="en-US" smtClean="0"/>
           </a:p>
           <a:p>
             <a:pPr lvl="1"/>
@@ -3360,6 +3261,7 @@
               <a:rPr lang="zh-CN" altLang="en-US" smtClean="0"/>
               <a:t>第二级</a:t>
             </a:r>
+            <a:endParaRPr lang="zh-CN" altLang="en-US" smtClean="0"/>
           </a:p>
           <a:p>
             <a:pPr lvl="2"/>
@@ -3367,6 +3269,7 @@
               <a:rPr lang="zh-CN" altLang="en-US" smtClean="0"/>
               <a:t>第三级</a:t>
             </a:r>
+            <a:endParaRPr lang="zh-CN" altLang="en-US" smtClean="0"/>
           </a:p>
           <a:p>
             <a:pPr lvl="3"/>
@@ -3374,6 +3277,7 @@
               <a:rPr lang="zh-CN" altLang="en-US" smtClean="0"/>
               <a:t>第四级</a:t>
             </a:r>
+            <a:endParaRPr lang="zh-CN" altLang="en-US" smtClean="0"/>
           </a:p>
           <a:p>
             <a:pPr lvl="4"/>
@@ -3629,6 +3533,7 @@
               <a:rPr lang="zh-CN" altLang="en-US" smtClean="0"/>
               <a:t>单击此处编辑母版文本样式</a:t>
             </a:r>
+            <a:endParaRPr lang="zh-CN" altLang="en-US" smtClean="0"/>
           </a:p>
         </p:txBody>
       </p:sp>
@@ -3654,7 +3559,6 @@
           <a:p>
             <a:fld id="{7BC3C6E0-25AE-8A44-A617-CADD813DE539}" type="datetime1">
               <a:rPr lang="zh-CN" altLang="en-US" smtClean="0"/>
-              <a:t>2017/7/9</a:t>
             </a:fld>
             <a:endParaRPr lang="zh-CN" altLang="en-US" dirty="0"/>
           </a:p>
@@ -3806,6 +3710,7 @@
               <a:rPr lang="zh-CN" altLang="en-US" dirty="0"/>
               <a:t>谢谢</a:t>
             </a:r>
+            <a:endParaRPr lang="zh-CN" altLang="en-US" dirty="0"/>
           </a:p>
         </p:txBody>
       </p:sp>
@@ -3996,6 +3901,7 @@
               <a:rPr lang="zh-CN" altLang="en-US" dirty="0" smtClean="0"/>
               <a:t>单击此处编辑母版文本样式</a:t>
             </a:r>
+            <a:endParaRPr lang="zh-CN" altLang="en-US" dirty="0" smtClean="0"/>
           </a:p>
           <a:p>
             <a:pPr lvl="1"/>
@@ -4003,6 +3909,7 @@
               <a:rPr lang="zh-CN" altLang="en-US" dirty="0" smtClean="0"/>
               <a:t>第二级</a:t>
             </a:r>
+            <a:endParaRPr lang="zh-CN" altLang="en-US" dirty="0" smtClean="0"/>
           </a:p>
           <a:p>
             <a:pPr lvl="2"/>
@@ -4010,6 +3917,7 @@
               <a:rPr lang="zh-CN" altLang="en-US" dirty="0" smtClean="0"/>
               <a:t>第三级</a:t>
             </a:r>
+            <a:endParaRPr lang="zh-CN" altLang="en-US" dirty="0" smtClean="0"/>
           </a:p>
           <a:p>
             <a:pPr lvl="3"/>
@@ -4017,6 +3925,7 @@
               <a:rPr lang="zh-CN" altLang="en-US" dirty="0" smtClean="0"/>
               <a:t>第四级</a:t>
             </a:r>
+            <a:endParaRPr lang="zh-CN" altLang="en-US" dirty="0" smtClean="0"/>
           </a:p>
           <a:p>
             <a:pPr lvl="4"/>
@@ -4063,7 +3972,6 @@
           <a:p>
             <a:fld id="{B8DE94C4-0AC0-E74D-83DE-D1778C094258}" type="datetime1">
               <a:rPr lang="zh-CN" altLang="en-US" smtClean="0"/>
-              <a:t>2017/7/9</a:t>
             </a:fld>
             <a:endParaRPr lang="zh-CN" altLang="en-US" dirty="0"/>
           </a:p>
@@ -4141,7 +4049,6 @@
           <a:p>
             <a:fld id="{0C913308-F349-4B6D-A68A-DD1791B4A57B}" type="slidenum">
               <a:rPr lang="zh-CN" altLang="en-US" smtClean="0"/>
-              <a:t>‹#›</a:t>
             </a:fld>
             <a:endParaRPr lang="zh-CN" altLang="en-US"/>
           </a:p>
@@ -4486,6 +4393,13 @@
               </a:rPr>
               <a:t>企业云事业部</a:t>
             </a:r>
+            <a:endParaRPr lang="zh-CN" altLang="en-US" sz="2000" dirty="0" smtClean="0">
+              <a:solidFill>
+                <a:schemeClr val="bg1">
+                  <a:lumMod val="95000"/>
+                </a:schemeClr>
+              </a:solidFill>
+            </a:endParaRPr>
           </a:p>
         </p:txBody>
       </p:sp>
@@ -4580,7 +4494,15 @@
                   <a:srgbClr val="CA022A"/>
                 </a:solidFill>
               </a:rPr>
-              <a:t>技</a:t>
+              <a:t>实际应用</a:t>
+            </a:r>
+            <a:r>
+              <a:rPr lang="en-US" altLang="zh-CN" dirty="0" smtClean="0">
+                <a:solidFill>
+                  <a:srgbClr val="CA022A"/>
+                </a:solidFill>
+              </a:rPr>
+              <a:t>&amp;</a:t>
             </a:r>
             <a:r>
               <a:rPr lang="zh-CN" altLang="en-US" dirty="0" smtClean="0">
@@ -4588,7 +4510,7 @@
                   <a:srgbClr val="CA022A"/>
                 </a:solidFill>
               </a:rPr>
-              <a:t>术介绍</a:t>
+              <a:t>设计模式</a:t>
             </a:r>
             <a:endParaRPr lang="zh-CN" altLang="en-US" sz="2000" dirty="0"/>
           </a:p>
@@ -4711,15 +4633,44 @@
           <a:p>
             <a:fld id="{0C913308-F349-4B6D-A68A-DD1791B4A57B}" type="slidenum">
               <a:rPr lang="zh-CN" altLang="en-US" smtClean="0"/>
-              <a:t>9</a:t>
             </a:fld>
             <a:endParaRPr lang="zh-CN" altLang="en-US" dirty="0"/>
           </a:p>
         </p:txBody>
       </p:sp>
+      <p:pic>
+        <p:nvPicPr>
+          <p:cNvPr id="9" name="图片 8"/>
+          <p:cNvPicPr>
+            <a:picLocks noChangeAspect="1"/>
+          </p:cNvPicPr>
+          <p:nvPr/>
+        </p:nvPicPr>
+        <p:blipFill>
+          <a:blip r:embed="rId1">
+            <a:extLst>
+              <a:ext uri="{28A0092B-C50C-407E-A947-70E740481C1C}">
+                <a14:useLocalDpi xmlns:a14="http://schemas.microsoft.com/office/drawing/2010/main" val="0"/>
+              </a:ext>
+            </a:extLst>
+          </a:blip>
+          <a:stretch>
+            <a:fillRect/>
+          </a:stretch>
+        </p:blipFill>
+        <p:spPr>
+          <a:xfrm>
+            <a:off x="648072" y="962406"/>
+            <a:ext cx="6372200" cy="3552097"/>
+          </a:xfrm>
+          <a:prstGeom prst="rect">
+            <a:avLst/>
+          </a:prstGeom>
+        </p:spPr>
+      </p:pic>
       <p:sp>
         <p:nvSpPr>
-          <p:cNvPr id="9" name="矩形 8"/>
+          <p:cNvPr id="10" name="矩形 9"/>
           <p:cNvSpPr/>
           <p:nvPr/>
         </p:nvSpPr>
@@ -4763,36 +4714,6 @@
           </a:p>
         </p:txBody>
       </p:sp>
-      <p:pic>
-        <p:nvPicPr>
-          <p:cNvPr id="10" name="图片 9"/>
-          <p:cNvPicPr>
-            <a:picLocks noChangeAspect="1"/>
-          </p:cNvPicPr>
-          <p:nvPr/>
-        </p:nvPicPr>
-        <p:blipFill>
-          <a:blip r:embed="rId2">
-            <a:extLst>
-              <a:ext uri="{28A0092B-C50C-407E-A947-70E740481C1C}">
-                <a14:useLocalDpi xmlns:a14="http://schemas.microsoft.com/office/drawing/2010/main" val="0"/>
-              </a:ext>
-            </a:extLst>
-          </a:blip>
-          <a:stretch>
-            <a:fillRect/>
-          </a:stretch>
-        </p:blipFill>
-        <p:spPr>
-          <a:xfrm>
-            <a:off x="0" y="824983"/>
-            <a:ext cx="9144000" cy="3718241"/>
-          </a:xfrm>
-          <a:prstGeom prst="rect">
-            <a:avLst/>
-          </a:prstGeom>
-        </p:spPr>
-      </p:pic>
     </p:spTree>
   </p:cSld>
   <p:clrMapOvr>
@@ -4841,7 +4762,7 @@
           <a:lstStyle/>
           <a:p>
             <a:r>
-              <a:rPr lang="zh-CN" altLang="en-US" dirty="0" smtClean="0">
+              <a:rPr lang="zh-CN" altLang="en-US" dirty="0">
                 <a:solidFill>
                   <a:srgbClr val="CA022A"/>
                 </a:solidFill>
@@ -4862,7 +4783,7 @@
                   <a:srgbClr val="CA022A"/>
                 </a:solidFill>
               </a:rPr>
-              <a:t>面向对象</a:t>
+              <a:t>设计模式</a:t>
             </a:r>
             <a:endParaRPr lang="zh-CN" altLang="en-US" sz="2000" dirty="0"/>
           </a:p>
@@ -4985,7 +4906,6 @@
           <a:p>
             <a:fld id="{0C913308-F349-4B6D-A68A-DD1791B4A57B}" type="slidenum">
               <a:rPr lang="zh-CN" altLang="en-US" smtClean="0"/>
-              <a:t>10</a:t>
             </a:fld>
             <a:endParaRPr lang="zh-CN" altLang="en-US" dirty="0"/>
           </a:p>
@@ -4993,14 +4913,14 @@
       </p:sp>
       <p:pic>
         <p:nvPicPr>
-          <p:cNvPr id="9" name="图片 8"/>
+          <p:cNvPr id="2" name="图片 1"/>
           <p:cNvPicPr>
             <a:picLocks noChangeAspect="1"/>
           </p:cNvPicPr>
           <p:nvPr/>
         </p:nvPicPr>
         <p:blipFill>
-          <a:blip r:embed="rId2">
+          <a:blip r:embed="rId1">
             <a:extLst>
               <a:ext uri="{28A0092B-C50C-407E-A947-70E740481C1C}">
                 <a14:useLocalDpi xmlns:a14="http://schemas.microsoft.com/office/drawing/2010/main" val="0"/>
@@ -5013,38 +4933,8 @@
         </p:blipFill>
         <p:spPr>
           <a:xfrm>
-            <a:off x="0" y="1056084"/>
-            <a:ext cx="4427984" cy="3586017"/>
-          </a:xfrm>
-          <a:prstGeom prst="rect">
-            <a:avLst/>
-          </a:prstGeom>
-        </p:spPr>
-      </p:pic>
-      <p:pic>
-        <p:nvPicPr>
-          <p:cNvPr id="12" name="图片 11"/>
-          <p:cNvPicPr>
-            <a:picLocks noChangeAspect="1"/>
-          </p:cNvPicPr>
-          <p:nvPr/>
-        </p:nvPicPr>
-        <p:blipFill>
-          <a:blip r:embed="rId3">
-            <a:extLst>
-              <a:ext uri="{28A0092B-C50C-407E-A947-70E740481C1C}">
-                <a14:useLocalDpi xmlns:a14="http://schemas.microsoft.com/office/drawing/2010/main" val="0"/>
-              </a:ext>
-            </a:extLst>
-          </a:blip>
-          <a:stretch>
-            <a:fillRect/>
-          </a:stretch>
-        </p:blipFill>
-        <p:spPr>
-          <a:xfrm>
-            <a:off x="4458362" y="1056083"/>
-            <a:ext cx="5226206" cy="3586017"/>
+            <a:off x="417600" y="1419622"/>
+            <a:ext cx="8220075" cy="2705100"/>
           </a:xfrm>
           <a:prstGeom prst="rect">
             <a:avLst/>
@@ -5053,7 +4943,7 @@
       </p:pic>
       <p:sp>
         <p:nvSpPr>
-          <p:cNvPr id="13" name="矩形 12"/>
+          <p:cNvPr id="6" name="矩形 5"/>
           <p:cNvSpPr/>
           <p:nvPr/>
         </p:nvSpPr>
@@ -5289,7 +5179,6 @@
           <a:p>
             <a:fld id="{0C913308-F349-4B6D-A68A-DD1791B4A57B}" type="slidenum">
               <a:rPr lang="zh-CN" altLang="en-US" smtClean="0"/>
-              <a:t>11</a:t>
             </a:fld>
             <a:endParaRPr lang="zh-CN" altLang="en-US" dirty="0"/>
           </a:p>
@@ -5297,14 +5186,14 @@
       </p:sp>
       <p:pic>
         <p:nvPicPr>
-          <p:cNvPr id="9" name="图片 8"/>
+          <p:cNvPr id="4" name="图片 3"/>
           <p:cNvPicPr>
             <a:picLocks noChangeAspect="1"/>
           </p:cNvPicPr>
           <p:nvPr/>
         </p:nvPicPr>
         <p:blipFill>
-          <a:blip r:embed="rId2">
+          <a:blip r:embed="rId1">
             <a:extLst>
               <a:ext uri="{28A0092B-C50C-407E-A947-70E740481C1C}">
                 <a14:useLocalDpi xmlns:a14="http://schemas.microsoft.com/office/drawing/2010/main" val="0"/>
@@ -5317,8 +5206,8 @@
         </p:blipFill>
         <p:spPr>
           <a:xfrm>
-            <a:off x="648072" y="962406"/>
-            <a:ext cx="6372200" cy="3552097"/>
+            <a:off x="1043608" y="1491630"/>
+            <a:ext cx="6326598" cy="2880320"/>
           </a:xfrm>
           <a:prstGeom prst="rect">
             <a:avLst/>
@@ -5327,7 +5216,7 @@
       </p:pic>
       <p:sp>
         <p:nvSpPr>
-          <p:cNvPr id="10" name="矩形 9"/>
+          <p:cNvPr id="6" name="矩形 5"/>
           <p:cNvSpPr/>
           <p:nvPr/>
         </p:nvSpPr>
@@ -5424,7 +5313,15 @@
                   <a:srgbClr val="CA022A"/>
                 </a:solidFill>
               </a:rPr>
-              <a:t>实际应用</a:t>
+              <a:t>学</a:t>
+            </a:r>
+            <a:r>
+              <a:rPr lang="zh-CN" altLang="en-US" dirty="0" smtClean="0">
+                <a:solidFill>
+                  <a:srgbClr val="CA022A"/>
+                </a:solidFill>
+              </a:rPr>
+              <a:t>习计划</a:t>
             </a:r>
             <a:r>
               <a:rPr lang="en-US" altLang="zh-CN" dirty="0" smtClean="0">
@@ -5440,7 +5337,7 @@
                   <a:srgbClr val="CA022A"/>
                 </a:solidFill>
               </a:rPr>
-              <a:t>设计模式</a:t>
+              <a:t>总结</a:t>
             </a:r>
             <a:endParaRPr lang="zh-CN" altLang="en-US" sz="2000" dirty="0"/>
           </a:p>
@@ -5563,42 +5460,27 @@
           <a:p>
             <a:fld id="{0C913308-F349-4B6D-A68A-DD1791B4A57B}" type="slidenum">
               <a:rPr lang="zh-CN" altLang="en-US" smtClean="0"/>
-              <a:t>12</a:t>
             </a:fld>
             <a:endParaRPr lang="zh-CN" altLang="en-US" dirty="0"/>
           </a:p>
         </p:txBody>
       </p:sp>
-      <p:pic>
-        <p:nvPicPr>
-          <p:cNvPr id="2" name="图片 1"/>
-          <p:cNvPicPr>
-            <a:picLocks noChangeAspect="1"/>
-          </p:cNvPicPr>
+      <p:graphicFrame>
+        <p:nvGraphicFramePr>
+          <p:cNvPr id="5" name="图表 4"/>
+          <p:cNvGraphicFramePr/>
           <p:nvPr/>
-        </p:nvPicPr>
-        <p:blipFill>
-          <a:blip r:embed="rId2">
-            <a:extLst>
-              <a:ext uri="{28A0092B-C50C-407E-A947-70E740481C1C}">
-                <a14:useLocalDpi xmlns:a14="http://schemas.microsoft.com/office/drawing/2010/main" val="0"/>
-              </a:ext>
-            </a:extLst>
-          </a:blip>
-          <a:stretch>
-            <a:fillRect/>
-          </a:stretch>
-        </p:blipFill>
-        <p:spPr>
-          <a:xfrm>
-            <a:off x="417600" y="1419622"/>
-            <a:ext cx="8220075" cy="2705100"/>
-          </a:xfrm>
-          <a:prstGeom prst="rect">
-            <a:avLst/>
-          </a:prstGeom>
-        </p:spPr>
-      </p:pic>
+        </p:nvGraphicFramePr>
+        <p:xfrm>
+          <a:off x="179512" y="1275606"/>
+          <a:ext cx="8856984" cy="3168352"/>
+        </p:xfrm>
+        <a:graphic>
+          <a:graphicData uri="http://schemas.openxmlformats.org/drawingml/2006/chart">
+            <c:chart xmlns:c="http://schemas.openxmlformats.org/drawingml/2006/chart" xmlns:r="http://schemas.openxmlformats.org/officeDocument/2006/relationships" r:id="rId1"/>
+          </a:graphicData>
+        </a:graphic>
+      </p:graphicFrame>
       <p:sp>
         <p:nvSpPr>
           <p:cNvPr id="6" name="矩形 5"/>
@@ -5646,11 +5528,6 @@
         </p:txBody>
       </p:sp>
     </p:spTree>
-    <p:extLst>
-      <p:ext uri="{BB962C8B-B14F-4D97-AF65-F5344CB8AC3E}">
-        <p14:creationId xmlns:p14="http://schemas.microsoft.com/office/powerpoint/2010/main" val="3970872768"/>
-      </p:ext>
-    </p:extLst>
   </p:cSld>
   <p:clrMapOvr>
     <a:masterClrMapping/>
@@ -5684,7 +5561,95 @@
       </p:grpSpPr>
       <p:sp>
         <p:nvSpPr>
-          <p:cNvPr id="3" name="标题 2"/>
+          <p:cNvPr id="9" name="内容占位符 8"/>
+          <p:cNvSpPr>
+            <a:spLocks noGrp="1"/>
+          </p:cNvSpPr>
+          <p:nvPr>
+            <p:ph idx="1"/>
+          </p:nvPr>
+        </p:nvSpPr>
+        <p:spPr/>
+        <p:txBody>
+          <a:bodyPr>
+            <a:normAutofit/>
+          </a:bodyPr>
+          <a:lstStyle/>
+          <a:p>
+            <a:r>
+              <a:rPr lang="zh-CN" altLang="en-US" dirty="0" smtClean="0"/>
+              <a:t>继续深入学习已掌握的技术，提升个人综合实力，提升技术影响力</a:t>
+            </a:r>
+            <a:endParaRPr lang="en-US" altLang="zh-CN" dirty="0" smtClean="0"/>
+          </a:p>
+          <a:p>
+            <a:endParaRPr lang="en-US" altLang="zh-CN" dirty="0" smtClean="0"/>
+          </a:p>
+          <a:p>
+            <a:r>
+              <a:rPr lang="zh-CN" altLang="en-US" dirty="0" smtClean="0"/>
+              <a:t>加强对程序架构和设计模式的学习</a:t>
+            </a:r>
+            <a:endParaRPr lang="en-US" altLang="zh-CN" dirty="0" smtClean="0"/>
+          </a:p>
+          <a:p>
+            <a:endParaRPr lang="en-US" altLang="zh-CN" dirty="0" smtClean="0"/>
+          </a:p>
+          <a:p>
+            <a:r>
+              <a:rPr dirty="0" smtClean="0"/>
+              <a:t>常用框架底层</a:t>
+            </a:r>
+            <a:endParaRPr dirty="0" smtClean="0"/>
+          </a:p>
+          <a:p>
+            <a:endParaRPr lang="en-US" altLang="zh-CN" dirty="0" smtClean="0"/>
+          </a:p>
+          <a:p>
+            <a:r>
+              <a:rPr lang="en-US" altLang="zh-CN" dirty="0" smtClean="0"/>
+              <a:t>Node.js</a:t>
+            </a:r>
+            <a:r>
+              <a:rPr lang="zh-CN" altLang="en-US" dirty="0"/>
+              <a:t>方</a:t>
+            </a:r>
+            <a:r>
+              <a:rPr lang="zh-CN" altLang="en-US" dirty="0" smtClean="0"/>
+              <a:t>向</a:t>
+            </a:r>
+            <a:endParaRPr lang="en-US" altLang="zh-CN" dirty="0" smtClean="0"/>
+          </a:p>
+          <a:p>
+            <a:endParaRPr lang="en-US" altLang="zh-CN" dirty="0" smtClean="0"/>
+          </a:p>
+          <a:p>
+            <a:r>
+              <a:rPr lang="zh-CN" altLang="en-US" dirty="0"/>
+              <a:t>成为一</a:t>
+            </a:r>
+            <a:r>
+              <a:rPr lang="zh-CN" altLang="en-US" dirty="0" smtClean="0"/>
+              <a:t>名全栈</a:t>
+            </a:r>
+            <a:r>
+              <a:rPr lang="en-US" altLang="zh-CN" dirty="0" smtClean="0"/>
+              <a:t>web</a:t>
+            </a:r>
+            <a:r>
+              <a:rPr lang="zh-CN" altLang="en-US" dirty="0" smtClean="0"/>
+              <a:t>开发工程师</a:t>
+            </a:r>
+            <a:endParaRPr lang="en-US" altLang="zh-CN" dirty="0" smtClean="0"/>
+          </a:p>
+          <a:p>
+            <a:endParaRPr lang="en-US" altLang="zh-CN" dirty="0"/>
+          </a:p>
+        </p:txBody>
+      </p:sp>
+      <p:sp>
+        <p:nvSpPr>
+          <p:cNvPr id="10" name="标题 9"/>
           <p:cNvSpPr>
             <a:spLocks noGrp="1"/>
           </p:cNvSpPr>
@@ -5698,28 +5663,12 @@
           <a:lstStyle/>
           <a:p>
             <a:r>
-              <a:rPr lang="zh-CN" altLang="en-US" dirty="0">
+              <a:rPr lang="zh-CN" altLang="en-US" dirty="0" smtClean="0">
                 <a:solidFill>
                   <a:srgbClr val="CA022A"/>
                 </a:solidFill>
               </a:rPr>
-              <a:t>实际应用</a:t>
-            </a:r>
-            <a:r>
-              <a:rPr lang="en-US" altLang="zh-CN" dirty="0" smtClean="0">
-                <a:solidFill>
-                  <a:srgbClr val="CA022A"/>
-                </a:solidFill>
-              </a:rPr>
-              <a:t>&amp;</a:t>
-            </a:r>
-            <a:r>
-              <a:rPr lang="zh-CN" altLang="en-US" dirty="0" smtClean="0">
-                <a:solidFill>
-                  <a:srgbClr val="CA022A"/>
-                </a:solidFill>
-              </a:rPr>
-              <a:t>设计模式</a:t>
+              <a:t>未来</a:t>
             </a:r>
             <a:endParaRPr lang="zh-CN" altLang="en-US" sz="2000" dirty="0"/>
           </a:p>
@@ -5727,7 +5676,7 @@
       </p:sp>
       <p:sp>
         <p:nvSpPr>
-          <p:cNvPr id="8" name="幻灯片编号占位符 3"/>
+          <p:cNvPr id="11" name="幻灯片编号占位符 3"/>
           <p:cNvSpPr txBox="1"/>
           <p:nvPr/>
         </p:nvSpPr>
@@ -5842,45 +5791,14 @@
           <a:p>
             <a:fld id="{0C913308-F349-4B6D-A68A-DD1791B4A57B}" type="slidenum">
               <a:rPr lang="zh-CN" altLang="en-US" smtClean="0"/>
-              <a:t>13</a:t>
             </a:fld>
             <a:endParaRPr lang="zh-CN" altLang="en-US" dirty="0"/>
           </a:p>
         </p:txBody>
       </p:sp>
-      <p:pic>
-        <p:nvPicPr>
-          <p:cNvPr id="4" name="图片 3"/>
-          <p:cNvPicPr>
-            <a:picLocks noChangeAspect="1"/>
-          </p:cNvPicPr>
-          <p:nvPr/>
-        </p:nvPicPr>
-        <p:blipFill>
-          <a:blip r:embed="rId2">
-            <a:extLst>
-              <a:ext uri="{28A0092B-C50C-407E-A947-70E740481C1C}">
-                <a14:useLocalDpi xmlns:a14="http://schemas.microsoft.com/office/drawing/2010/main" val="0"/>
-              </a:ext>
-            </a:extLst>
-          </a:blip>
-          <a:stretch>
-            <a:fillRect/>
-          </a:stretch>
-        </p:blipFill>
-        <p:spPr>
-          <a:xfrm>
-            <a:off x="1043608" y="1491630"/>
-            <a:ext cx="6326598" cy="2880320"/>
-          </a:xfrm>
-          <a:prstGeom prst="rect">
-            <a:avLst/>
-          </a:prstGeom>
-        </p:spPr>
-      </p:pic>
       <p:sp>
         <p:nvSpPr>
-          <p:cNvPr id="6" name="矩形 5"/>
+          <p:cNvPr id="8" name="矩形 7"/>
           <p:cNvSpPr/>
           <p:nvPr/>
         </p:nvSpPr>
@@ -5925,11 +5843,6 @@
         </p:txBody>
       </p:sp>
     </p:spTree>
-    <p:extLst>
-      <p:ext uri="{BB962C8B-B14F-4D97-AF65-F5344CB8AC3E}">
-        <p14:creationId xmlns:p14="http://schemas.microsoft.com/office/powerpoint/2010/main" val="1668025144"/>
-      </p:ext>
-    </p:extLst>
   </p:cSld>
   <p:clrMapOvr>
     <a:masterClrMapping/>
@@ -5945,609 +5858,6 @@
 </file>
 
 <file path=ppt/slides/slide15.xml><?xml version="1.0" encoding="utf-8"?>
-<p:sld xmlns:a="http://schemas.openxmlformats.org/drawingml/2006/main" xmlns:r="http://schemas.openxmlformats.org/officeDocument/2006/relationships" xmlns:p="http://schemas.openxmlformats.org/presentationml/2006/main">
-  <p:cSld>
-    <p:spTree>
-      <p:nvGrpSpPr>
-        <p:cNvPr id="1" name=""/>
-        <p:cNvGrpSpPr/>
-        <p:nvPr/>
-      </p:nvGrpSpPr>
-      <p:grpSpPr>
-        <a:xfrm>
-          <a:off x="0" y="0"/>
-          <a:ext cx="0" cy="0"/>
-          <a:chOff x="0" y="0"/>
-          <a:chExt cx="0" cy="0"/>
-        </a:xfrm>
-      </p:grpSpPr>
-      <p:sp>
-        <p:nvSpPr>
-          <p:cNvPr id="3" name="标题 2"/>
-          <p:cNvSpPr>
-            <a:spLocks noGrp="1"/>
-          </p:cNvSpPr>
-          <p:nvPr>
-            <p:ph type="title"/>
-          </p:nvPr>
-        </p:nvSpPr>
-        <p:spPr/>
-        <p:txBody>
-          <a:bodyPr/>
-          <a:lstStyle/>
-          <a:p>
-            <a:r>
-              <a:rPr lang="zh-CN" altLang="en-US" dirty="0">
-                <a:solidFill>
-                  <a:srgbClr val="CA022A"/>
-                </a:solidFill>
-              </a:rPr>
-              <a:t>学</a:t>
-            </a:r>
-            <a:r>
-              <a:rPr lang="zh-CN" altLang="en-US" dirty="0" smtClean="0">
-                <a:solidFill>
-                  <a:srgbClr val="CA022A"/>
-                </a:solidFill>
-              </a:rPr>
-              <a:t>习计划</a:t>
-            </a:r>
-            <a:r>
-              <a:rPr lang="en-US" altLang="zh-CN" dirty="0" smtClean="0">
-                <a:solidFill>
-                  <a:srgbClr val="CA022A"/>
-                </a:solidFill>
-              </a:rPr>
-              <a:t>&amp;</a:t>
-            </a:r>
-            <a:r>
-              <a:rPr lang="zh-CN" altLang="en-US" dirty="0" smtClean="0">
-                <a:solidFill>
-                  <a:srgbClr val="CA022A"/>
-                </a:solidFill>
-              </a:rPr>
-              <a:t>总结</a:t>
-            </a:r>
-            <a:endParaRPr lang="zh-CN" altLang="en-US" sz="2000" dirty="0"/>
-          </a:p>
-        </p:txBody>
-      </p:sp>
-      <p:sp>
-        <p:nvSpPr>
-          <p:cNvPr id="8" name="幻灯片编号占位符 3"/>
-          <p:cNvSpPr txBox="1"/>
-          <p:nvPr/>
-        </p:nvSpPr>
-        <p:spPr>
-          <a:xfrm>
-            <a:off x="8316416" y="4767263"/>
-            <a:ext cx="2133600" cy="273844"/>
-          </a:xfrm>
-          <a:prstGeom prst="rect">
-            <a:avLst/>
-          </a:prstGeom>
-        </p:spPr>
-        <p:txBody>
-          <a:bodyPr vert="horz" lIns="91440" tIns="45720" rIns="91440" bIns="45720" rtlCol="0" anchor="ctr"/>
-          <a:lstStyle>
-            <a:defPPr>
-              <a:defRPr lang="zh-CN"/>
-            </a:defPPr>
-            <a:lvl1pPr marL="0" algn="l" defTabSz="914400" rtl="0" eaLnBrk="1" latinLnBrk="0" hangingPunct="1">
-              <a:defRPr sz="1200" kern="1200">
-                <a:solidFill>
-                  <a:schemeClr val="tx1">
-                    <a:tint val="75000"/>
-                  </a:schemeClr>
-                </a:solidFill>
-                <a:latin typeface="+mn-lt"/>
-                <a:ea typeface="+mn-ea"/>
-                <a:cs typeface="+mn-cs"/>
-              </a:defRPr>
-            </a:lvl1pPr>
-            <a:lvl2pPr marL="457200" algn="l" defTabSz="914400" rtl="0" eaLnBrk="1" latinLnBrk="0" hangingPunct="1">
-              <a:defRPr sz="1800" kern="1200">
-                <a:solidFill>
-                  <a:schemeClr val="tx1"/>
-                </a:solidFill>
-                <a:latin typeface="+mn-lt"/>
-                <a:ea typeface="+mn-ea"/>
-                <a:cs typeface="+mn-cs"/>
-              </a:defRPr>
-            </a:lvl2pPr>
-            <a:lvl3pPr marL="914400" algn="l" defTabSz="914400" rtl="0" eaLnBrk="1" latinLnBrk="0" hangingPunct="1">
-              <a:defRPr sz="1800" kern="1200">
-                <a:solidFill>
-                  <a:schemeClr val="tx1"/>
-                </a:solidFill>
-                <a:latin typeface="+mn-lt"/>
-                <a:ea typeface="+mn-ea"/>
-                <a:cs typeface="+mn-cs"/>
-              </a:defRPr>
-            </a:lvl3pPr>
-            <a:lvl4pPr marL="1371600" algn="l" defTabSz="914400" rtl="0" eaLnBrk="1" latinLnBrk="0" hangingPunct="1">
-              <a:defRPr sz="1800" kern="1200">
-                <a:solidFill>
-                  <a:schemeClr val="tx1"/>
-                </a:solidFill>
-                <a:latin typeface="+mn-lt"/>
-                <a:ea typeface="+mn-ea"/>
-                <a:cs typeface="+mn-cs"/>
-              </a:defRPr>
-            </a:lvl4pPr>
-            <a:lvl5pPr marL="1828800" algn="l" defTabSz="914400" rtl="0" eaLnBrk="1" latinLnBrk="0" hangingPunct="1">
-              <a:defRPr sz="1800" kern="1200">
-                <a:solidFill>
-                  <a:schemeClr val="tx1"/>
-                </a:solidFill>
-                <a:latin typeface="+mn-lt"/>
-                <a:ea typeface="+mn-ea"/>
-                <a:cs typeface="+mn-cs"/>
-              </a:defRPr>
-            </a:lvl5pPr>
-            <a:lvl6pPr marL="2286000" algn="l" defTabSz="914400" rtl="0" eaLnBrk="1" latinLnBrk="0" hangingPunct="1">
-              <a:defRPr sz="1800" kern="1200">
-                <a:solidFill>
-                  <a:schemeClr val="tx1"/>
-                </a:solidFill>
-                <a:latin typeface="+mn-lt"/>
-                <a:ea typeface="+mn-ea"/>
-                <a:cs typeface="+mn-cs"/>
-              </a:defRPr>
-            </a:lvl6pPr>
-            <a:lvl7pPr marL="2743200" algn="l" defTabSz="914400" rtl="0" eaLnBrk="1" latinLnBrk="0" hangingPunct="1">
-              <a:defRPr sz="1800" kern="1200">
-                <a:solidFill>
-                  <a:schemeClr val="tx1"/>
-                </a:solidFill>
-                <a:latin typeface="+mn-lt"/>
-                <a:ea typeface="+mn-ea"/>
-                <a:cs typeface="+mn-cs"/>
-              </a:defRPr>
-            </a:lvl7pPr>
-            <a:lvl8pPr marL="3200400" algn="l" defTabSz="914400" rtl="0" eaLnBrk="1" latinLnBrk="0" hangingPunct="1">
-              <a:defRPr sz="1800" kern="1200">
-                <a:solidFill>
-                  <a:schemeClr val="tx1"/>
-                </a:solidFill>
-                <a:latin typeface="+mn-lt"/>
-                <a:ea typeface="+mn-ea"/>
-                <a:cs typeface="+mn-cs"/>
-              </a:defRPr>
-            </a:lvl8pPr>
-            <a:lvl9pPr marL="3657600" algn="l" defTabSz="914400" rtl="0" eaLnBrk="1" latinLnBrk="0" hangingPunct="1">
-              <a:defRPr sz="1800" kern="1200">
-                <a:solidFill>
-                  <a:schemeClr val="tx1"/>
-                </a:solidFill>
-                <a:latin typeface="+mn-lt"/>
-                <a:ea typeface="+mn-ea"/>
-                <a:cs typeface="+mn-cs"/>
-              </a:defRPr>
-            </a:lvl9pPr>
-          </a:lstStyle>
-          <a:p>
-            <a:fld id="{0C913308-F349-4B6D-A68A-DD1791B4A57B}" type="slidenum">
-              <a:rPr lang="zh-CN" altLang="en-US" smtClean="0"/>
-              <a:t>14</a:t>
-            </a:fld>
-            <a:endParaRPr lang="zh-CN" altLang="en-US" dirty="0"/>
-          </a:p>
-        </p:txBody>
-      </p:sp>
-      <p:graphicFrame>
-        <p:nvGraphicFramePr>
-          <p:cNvPr id="5" name="图表 4"/>
-          <p:cNvGraphicFramePr/>
-          <p:nvPr>
-            <p:extLst>
-              <p:ext uri="{D42A27DB-BD31-4B8C-83A1-F6EECF244321}">
-                <p14:modId xmlns:p14="http://schemas.microsoft.com/office/powerpoint/2010/main" val="3686156311"/>
-              </p:ext>
-            </p:extLst>
-          </p:nvPr>
-        </p:nvGraphicFramePr>
-        <p:xfrm>
-          <a:off x="179512" y="1275606"/>
-          <a:ext cx="8856984" cy="3168352"/>
-        </p:xfrm>
-        <a:graphic>
-          <a:graphicData uri="http://schemas.openxmlformats.org/drawingml/2006/chart">
-            <c:chart xmlns:c="http://schemas.openxmlformats.org/drawingml/2006/chart" xmlns:r="http://schemas.openxmlformats.org/officeDocument/2006/relationships" r:id="rId2"/>
-          </a:graphicData>
-        </a:graphic>
-      </p:graphicFrame>
-      <p:sp>
-        <p:nvSpPr>
-          <p:cNvPr id="6" name="矩形 5"/>
-          <p:cNvSpPr/>
-          <p:nvPr/>
-        </p:nvSpPr>
-        <p:spPr>
-          <a:xfrm>
-            <a:off x="259255" y="467103"/>
-            <a:ext cx="64273" cy="376455"/>
-          </a:xfrm>
-          <a:prstGeom prst="rect">
-            <a:avLst/>
-          </a:prstGeom>
-          <a:solidFill>
-            <a:srgbClr val="FF5400"/>
-          </a:solidFill>
-          <a:ln>
-            <a:noFill/>
-          </a:ln>
-        </p:spPr>
-        <p:style>
-          <a:lnRef idx="2">
-            <a:schemeClr val="accent1">
-              <a:shade val="50000"/>
-            </a:schemeClr>
-          </a:lnRef>
-          <a:fillRef idx="1">
-            <a:schemeClr val="accent1"/>
-          </a:fillRef>
-          <a:effectRef idx="0">
-            <a:schemeClr val="accent1"/>
-          </a:effectRef>
-          <a:fontRef idx="minor">
-            <a:schemeClr val="lt1"/>
-          </a:fontRef>
-        </p:style>
-        <p:txBody>
-          <a:bodyPr rtlCol="0" anchor="ctr"/>
-          <a:lstStyle/>
-          <a:p>
-            <a:pPr algn="ctr"/>
-            <a:endParaRPr kumimoji="1" lang="zh-CN" altLang="en-US" sz="1350"/>
-          </a:p>
-        </p:txBody>
-      </p:sp>
-    </p:spTree>
-    <p:extLst>
-      <p:ext uri="{BB962C8B-B14F-4D97-AF65-F5344CB8AC3E}">
-        <p14:creationId xmlns:p14="http://schemas.microsoft.com/office/powerpoint/2010/main" val="3334338334"/>
-      </p:ext>
-    </p:extLst>
-  </p:cSld>
-  <p:clrMapOvr>
-    <a:masterClrMapping/>
-  </p:clrMapOvr>
-  <p:timing>
-    <p:tnLst>
-      <p:par>
-        <p:cTn id="1" dur="indefinite" restart="never" nodeType="tmRoot"/>
-      </p:par>
-    </p:tnLst>
-  </p:timing>
-</p:sld>
-</file>
-
-<file path=ppt/slides/slide16.xml><?xml version="1.0" encoding="utf-8"?>
-<p:sld xmlns:a="http://schemas.openxmlformats.org/drawingml/2006/main" xmlns:r="http://schemas.openxmlformats.org/officeDocument/2006/relationships" xmlns:p="http://schemas.openxmlformats.org/presentationml/2006/main">
-  <p:cSld>
-    <p:spTree>
-      <p:nvGrpSpPr>
-        <p:cNvPr id="1" name=""/>
-        <p:cNvGrpSpPr/>
-        <p:nvPr/>
-      </p:nvGrpSpPr>
-      <p:grpSpPr>
-        <a:xfrm>
-          <a:off x="0" y="0"/>
-          <a:ext cx="0" cy="0"/>
-          <a:chOff x="0" y="0"/>
-          <a:chExt cx="0" cy="0"/>
-        </a:xfrm>
-      </p:grpSpPr>
-      <p:sp>
-        <p:nvSpPr>
-          <p:cNvPr id="9" name="内容占位符 8"/>
-          <p:cNvSpPr>
-            <a:spLocks noGrp="1"/>
-          </p:cNvSpPr>
-          <p:nvPr>
-            <p:ph idx="1"/>
-          </p:nvPr>
-        </p:nvSpPr>
-        <p:spPr/>
-        <p:txBody>
-          <a:bodyPr>
-            <a:normAutofit fontScale="97500"/>
-          </a:bodyPr>
-          <a:lstStyle/>
-          <a:p>
-            <a:r>
-              <a:rPr lang="zh-CN" altLang="en-US" dirty="0" smtClean="0"/>
-              <a:t>继续深入学习已掌握的技术，提升个人综合实力，提升技术影响力</a:t>
-            </a:r>
-            <a:endParaRPr lang="en-US" altLang="zh-CN" dirty="0" smtClean="0"/>
-          </a:p>
-          <a:p>
-            <a:endParaRPr lang="en-US" altLang="zh-CN" dirty="0" smtClean="0"/>
-          </a:p>
-          <a:p>
-            <a:r>
-              <a:rPr lang="zh-CN" altLang="en-US" dirty="0" smtClean="0"/>
-              <a:t>加强对程序架构和设计模式的学习</a:t>
-            </a:r>
-            <a:endParaRPr lang="en-US" altLang="zh-CN" dirty="0" smtClean="0"/>
-          </a:p>
-          <a:p>
-            <a:endParaRPr lang="en-US" altLang="zh-CN" dirty="0" smtClean="0"/>
-          </a:p>
-          <a:p>
-            <a:r>
-              <a:rPr lang="en-US" altLang="zh-CN" dirty="0" err="1" smtClean="0"/>
-              <a:t>Hybird</a:t>
-            </a:r>
-            <a:r>
-              <a:rPr lang="zh-CN" altLang="en-US" dirty="0"/>
-              <a:t>方</a:t>
-            </a:r>
-            <a:r>
-              <a:rPr lang="zh-CN" altLang="en-US" dirty="0" smtClean="0"/>
-              <a:t>向</a:t>
-            </a:r>
-            <a:endParaRPr lang="en-US" altLang="zh-CN" dirty="0" smtClean="0"/>
-          </a:p>
-          <a:p>
-            <a:endParaRPr lang="en-US" altLang="zh-CN" dirty="0" smtClean="0"/>
-          </a:p>
-          <a:p>
-            <a:r>
-              <a:rPr lang="en-US" altLang="zh-CN" dirty="0" smtClean="0"/>
-              <a:t>Node.js</a:t>
-            </a:r>
-            <a:r>
-              <a:rPr lang="zh-CN" altLang="en-US" dirty="0"/>
-              <a:t>方</a:t>
-            </a:r>
-            <a:r>
-              <a:rPr lang="zh-CN" altLang="en-US" dirty="0" smtClean="0"/>
-              <a:t>向</a:t>
-            </a:r>
-            <a:endParaRPr lang="en-US" altLang="zh-CN" dirty="0" smtClean="0"/>
-          </a:p>
-          <a:p>
-            <a:endParaRPr lang="en-US" altLang="zh-CN" dirty="0" smtClean="0"/>
-          </a:p>
-          <a:p>
-            <a:r>
-              <a:rPr lang="zh-CN" altLang="en-US" dirty="0"/>
-              <a:t>成为一</a:t>
-            </a:r>
-            <a:r>
-              <a:rPr lang="zh-CN" altLang="en-US" dirty="0" smtClean="0"/>
-              <a:t>名全栈</a:t>
-            </a:r>
-            <a:r>
-              <a:rPr lang="en-US" altLang="zh-CN" dirty="0" smtClean="0"/>
-              <a:t>web</a:t>
-            </a:r>
-            <a:r>
-              <a:rPr lang="zh-CN" altLang="en-US" dirty="0" smtClean="0"/>
-              <a:t>开发工程师</a:t>
-            </a:r>
-            <a:endParaRPr lang="en-US" altLang="zh-CN" dirty="0" smtClean="0"/>
-          </a:p>
-          <a:p>
-            <a:endParaRPr lang="en-US" altLang="zh-CN" dirty="0"/>
-          </a:p>
-        </p:txBody>
-      </p:sp>
-      <p:sp>
-        <p:nvSpPr>
-          <p:cNvPr id="10" name="标题 9"/>
-          <p:cNvSpPr>
-            <a:spLocks noGrp="1"/>
-          </p:cNvSpPr>
-          <p:nvPr>
-            <p:ph type="title"/>
-          </p:nvPr>
-        </p:nvSpPr>
-        <p:spPr/>
-        <p:txBody>
-          <a:bodyPr/>
-          <a:lstStyle/>
-          <a:p>
-            <a:r>
-              <a:rPr lang="zh-CN" altLang="en-US" dirty="0" smtClean="0">
-                <a:solidFill>
-                  <a:srgbClr val="CA022A"/>
-                </a:solidFill>
-              </a:rPr>
-              <a:t>未来</a:t>
-            </a:r>
-            <a:endParaRPr lang="zh-CN" altLang="en-US" sz="2000" dirty="0"/>
-          </a:p>
-        </p:txBody>
-      </p:sp>
-      <p:sp>
-        <p:nvSpPr>
-          <p:cNvPr id="11" name="幻灯片编号占位符 3"/>
-          <p:cNvSpPr txBox="1"/>
-          <p:nvPr/>
-        </p:nvSpPr>
-        <p:spPr>
-          <a:xfrm>
-            <a:off x="8316416" y="4767263"/>
-            <a:ext cx="2133600" cy="273844"/>
-          </a:xfrm>
-          <a:prstGeom prst="rect">
-            <a:avLst/>
-          </a:prstGeom>
-        </p:spPr>
-        <p:txBody>
-          <a:bodyPr vert="horz" lIns="91440" tIns="45720" rIns="91440" bIns="45720" rtlCol="0" anchor="ctr"/>
-          <a:lstStyle>
-            <a:defPPr>
-              <a:defRPr lang="zh-CN"/>
-            </a:defPPr>
-            <a:lvl1pPr marL="0" algn="l" defTabSz="914400" rtl="0" eaLnBrk="1" latinLnBrk="0" hangingPunct="1">
-              <a:defRPr sz="1200" kern="1200">
-                <a:solidFill>
-                  <a:schemeClr val="tx1">
-                    <a:tint val="75000"/>
-                  </a:schemeClr>
-                </a:solidFill>
-                <a:latin typeface="+mn-lt"/>
-                <a:ea typeface="+mn-ea"/>
-                <a:cs typeface="+mn-cs"/>
-              </a:defRPr>
-            </a:lvl1pPr>
-            <a:lvl2pPr marL="457200" algn="l" defTabSz="914400" rtl="0" eaLnBrk="1" latinLnBrk="0" hangingPunct="1">
-              <a:defRPr sz="1800" kern="1200">
-                <a:solidFill>
-                  <a:schemeClr val="tx1"/>
-                </a:solidFill>
-                <a:latin typeface="+mn-lt"/>
-                <a:ea typeface="+mn-ea"/>
-                <a:cs typeface="+mn-cs"/>
-              </a:defRPr>
-            </a:lvl2pPr>
-            <a:lvl3pPr marL="914400" algn="l" defTabSz="914400" rtl="0" eaLnBrk="1" latinLnBrk="0" hangingPunct="1">
-              <a:defRPr sz="1800" kern="1200">
-                <a:solidFill>
-                  <a:schemeClr val="tx1"/>
-                </a:solidFill>
-                <a:latin typeface="+mn-lt"/>
-                <a:ea typeface="+mn-ea"/>
-                <a:cs typeface="+mn-cs"/>
-              </a:defRPr>
-            </a:lvl3pPr>
-            <a:lvl4pPr marL="1371600" algn="l" defTabSz="914400" rtl="0" eaLnBrk="1" latinLnBrk="0" hangingPunct="1">
-              <a:defRPr sz="1800" kern="1200">
-                <a:solidFill>
-                  <a:schemeClr val="tx1"/>
-                </a:solidFill>
-                <a:latin typeface="+mn-lt"/>
-                <a:ea typeface="+mn-ea"/>
-                <a:cs typeface="+mn-cs"/>
-              </a:defRPr>
-            </a:lvl4pPr>
-            <a:lvl5pPr marL="1828800" algn="l" defTabSz="914400" rtl="0" eaLnBrk="1" latinLnBrk="0" hangingPunct="1">
-              <a:defRPr sz="1800" kern="1200">
-                <a:solidFill>
-                  <a:schemeClr val="tx1"/>
-                </a:solidFill>
-                <a:latin typeface="+mn-lt"/>
-                <a:ea typeface="+mn-ea"/>
-                <a:cs typeface="+mn-cs"/>
-              </a:defRPr>
-            </a:lvl5pPr>
-            <a:lvl6pPr marL="2286000" algn="l" defTabSz="914400" rtl="0" eaLnBrk="1" latinLnBrk="0" hangingPunct="1">
-              <a:defRPr sz="1800" kern="1200">
-                <a:solidFill>
-                  <a:schemeClr val="tx1"/>
-                </a:solidFill>
-                <a:latin typeface="+mn-lt"/>
-                <a:ea typeface="+mn-ea"/>
-                <a:cs typeface="+mn-cs"/>
-              </a:defRPr>
-            </a:lvl6pPr>
-            <a:lvl7pPr marL="2743200" algn="l" defTabSz="914400" rtl="0" eaLnBrk="1" latinLnBrk="0" hangingPunct="1">
-              <a:defRPr sz="1800" kern="1200">
-                <a:solidFill>
-                  <a:schemeClr val="tx1"/>
-                </a:solidFill>
-                <a:latin typeface="+mn-lt"/>
-                <a:ea typeface="+mn-ea"/>
-                <a:cs typeface="+mn-cs"/>
-              </a:defRPr>
-            </a:lvl7pPr>
-            <a:lvl8pPr marL="3200400" algn="l" defTabSz="914400" rtl="0" eaLnBrk="1" latinLnBrk="0" hangingPunct="1">
-              <a:defRPr sz="1800" kern="1200">
-                <a:solidFill>
-                  <a:schemeClr val="tx1"/>
-                </a:solidFill>
-                <a:latin typeface="+mn-lt"/>
-                <a:ea typeface="+mn-ea"/>
-                <a:cs typeface="+mn-cs"/>
-              </a:defRPr>
-            </a:lvl8pPr>
-            <a:lvl9pPr marL="3657600" algn="l" defTabSz="914400" rtl="0" eaLnBrk="1" latinLnBrk="0" hangingPunct="1">
-              <a:defRPr sz="1800" kern="1200">
-                <a:solidFill>
-                  <a:schemeClr val="tx1"/>
-                </a:solidFill>
-                <a:latin typeface="+mn-lt"/>
-                <a:ea typeface="+mn-ea"/>
-                <a:cs typeface="+mn-cs"/>
-              </a:defRPr>
-            </a:lvl9pPr>
-          </a:lstStyle>
-          <a:p>
-            <a:fld id="{0C913308-F349-4B6D-A68A-DD1791B4A57B}" type="slidenum">
-              <a:rPr lang="zh-CN" altLang="en-US" smtClean="0"/>
-              <a:t>15</a:t>
-            </a:fld>
-            <a:endParaRPr lang="zh-CN" altLang="en-US" dirty="0"/>
-          </a:p>
-        </p:txBody>
-      </p:sp>
-      <p:sp>
-        <p:nvSpPr>
-          <p:cNvPr id="8" name="矩形 7"/>
-          <p:cNvSpPr/>
-          <p:nvPr/>
-        </p:nvSpPr>
-        <p:spPr>
-          <a:xfrm>
-            <a:off x="259255" y="467103"/>
-            <a:ext cx="64273" cy="376455"/>
-          </a:xfrm>
-          <a:prstGeom prst="rect">
-            <a:avLst/>
-          </a:prstGeom>
-          <a:solidFill>
-            <a:srgbClr val="FF5400"/>
-          </a:solidFill>
-          <a:ln>
-            <a:noFill/>
-          </a:ln>
-        </p:spPr>
-        <p:style>
-          <a:lnRef idx="2">
-            <a:schemeClr val="accent1">
-              <a:shade val="50000"/>
-            </a:schemeClr>
-          </a:lnRef>
-          <a:fillRef idx="1">
-            <a:schemeClr val="accent1"/>
-          </a:fillRef>
-          <a:effectRef idx="0">
-            <a:schemeClr val="accent1"/>
-          </a:effectRef>
-          <a:fontRef idx="minor">
-            <a:schemeClr val="lt1"/>
-          </a:fontRef>
-        </p:style>
-        <p:txBody>
-          <a:bodyPr rtlCol="0" anchor="ctr"/>
-          <a:lstStyle/>
-          <a:p>
-            <a:pPr algn="ctr"/>
-            <a:endParaRPr kumimoji="1" lang="zh-CN" altLang="en-US" sz="1350"/>
-          </a:p>
-        </p:txBody>
-      </p:sp>
-    </p:spTree>
-  </p:cSld>
-  <p:clrMapOvr>
-    <a:masterClrMapping/>
-  </p:clrMapOvr>
-  <p:timing>
-    <p:tnLst>
-      <p:par>
-        <p:cTn id="1" dur="indefinite" restart="never" nodeType="tmRoot"/>
-      </p:par>
-    </p:tnLst>
-  </p:timing>
-</p:sld>
-</file>
-
-<file path=ppt/slides/slide17.xml><?xml version="1.0" encoding="utf-8"?>
 <p:sld xmlns:a="http://schemas.openxmlformats.org/drawingml/2006/main" xmlns:r="http://schemas.openxmlformats.org/officeDocument/2006/relationships" xmlns:p="http://schemas.openxmlformats.org/presentationml/2006/main">
   <p:cSld>
     <p:spTree>
@@ -6598,6 +5908,83 @@
       </p:grpSpPr>
       <p:sp>
         <p:nvSpPr>
+          <p:cNvPr id="4" name="内容占位符 3"/>
+          <p:cNvSpPr>
+            <a:spLocks noGrp="1"/>
+          </p:cNvSpPr>
+          <p:nvPr>
+            <p:ph idx="1"/>
+          </p:nvPr>
+        </p:nvSpPr>
+        <p:spPr/>
+        <p:txBody>
+          <a:bodyPr/>
+          <a:lstStyle/>
+          <a:p>
+            <a:r>
+              <a:rPr altLang="zh-CN" dirty="0" smtClean="0"/>
+              <a:t>尚魁魁</a:t>
+            </a:r>
+            <a:endParaRPr lang="en-US" altLang="zh-CN" dirty="0" smtClean="0"/>
+          </a:p>
+          <a:p>
+            <a:endParaRPr lang="en-US" altLang="zh-CN" dirty="0"/>
+          </a:p>
+          <a:p>
+            <a:r>
+              <a:rPr lang="zh-CN" altLang="en-US" dirty="0" smtClean="0"/>
+              <a:t>河北工程大学</a:t>
+            </a:r>
+            <a:r>
+              <a:rPr lang="en-US" altLang="zh-CN" dirty="0" smtClean="0"/>
+              <a:t>-</a:t>
+            </a:r>
+            <a:r>
+              <a:rPr lang="zh-CN" altLang="en-US" dirty="0" smtClean="0"/>
+              <a:t>本科</a:t>
+            </a:r>
+            <a:endParaRPr lang="en-US" altLang="zh-CN" dirty="0" smtClean="0"/>
+          </a:p>
+          <a:p>
+            <a:endParaRPr lang="en-US" altLang="zh-CN" dirty="0" smtClean="0"/>
+          </a:p>
+          <a:p>
+            <a:r>
+              <a:rPr lang="en-US" altLang="zh-CN" dirty="0" smtClean="0"/>
+              <a:t>2017</a:t>
+            </a:r>
+            <a:r>
+              <a:rPr lang="zh-CN" altLang="en-US" dirty="0" smtClean="0"/>
+              <a:t>年</a:t>
+            </a:r>
+            <a:r>
+              <a:rPr lang="en-US" altLang="zh-CN" dirty="0" smtClean="0"/>
+              <a:t>03</a:t>
+            </a:r>
+            <a:r>
+              <a:rPr lang="zh-CN" altLang="en-US" dirty="0" smtClean="0"/>
+              <a:t>月加入国美，从事 前</a:t>
+            </a:r>
+            <a:r>
+              <a:rPr lang="zh-CN" altLang="en-US" dirty="0"/>
+              <a:t>端开发工程师 </a:t>
+            </a:r>
+            <a:r>
+              <a:rPr lang="zh-CN" altLang="en-US" dirty="0" smtClean="0"/>
+              <a:t>工作</a:t>
+            </a:r>
+            <a:endParaRPr lang="en-US" altLang="zh-CN" dirty="0"/>
+          </a:p>
+          <a:p>
+            <a:endParaRPr altLang="zh-CN" dirty="0"/>
+          </a:p>
+          <a:p>
+            <a:endParaRPr altLang="zh-CN" dirty="0"/>
+          </a:p>
+        </p:txBody>
+      </p:sp>
+      <p:sp>
+        <p:nvSpPr>
           <p:cNvPr id="2" name="标题 1"/>
           <p:cNvSpPr>
             <a:spLocks noGrp="1"/>
@@ -6612,278 +5999,182 @@
           <a:lstStyle/>
           <a:p>
             <a:r>
-              <a:rPr lang="zh-CN" altLang="en-US" dirty="0"/>
-              <a:t>目录</a:t>
-            </a:r>
-            <a:r>
-              <a:rPr lang="zh-CN" altLang="en-US" sz="2000" dirty="0">
-                <a:solidFill>
-                  <a:schemeClr val="tx1"/>
+              <a:rPr lang="zh-CN" altLang="en-US" dirty="0" smtClean="0">
+                <a:solidFill>
+                  <a:srgbClr val="CA022A"/>
                 </a:solidFill>
               </a:rPr>
-              <a:t>（微软雅黑</a:t>
-            </a:r>
-            <a:r>
-              <a:rPr lang="en-US" altLang="zh-CN" sz="2000" dirty="0">
-                <a:solidFill>
-                  <a:schemeClr val="tx1"/>
-                </a:solidFill>
-              </a:rPr>
-              <a:t>28</a:t>
-            </a:r>
-            <a:r>
-              <a:rPr lang="zh-CN" altLang="en-US" sz="2000" dirty="0">
-                <a:solidFill>
-                  <a:schemeClr val="tx1"/>
-                </a:solidFill>
-              </a:rPr>
-              <a:t>）</a:t>
-            </a:r>
+              <a:t>自我介绍</a:t>
+            </a:r>
+            <a:endParaRPr lang="zh-CN" altLang="en-US" sz="2000" dirty="0"/>
           </a:p>
         </p:txBody>
       </p:sp>
       <p:sp>
         <p:nvSpPr>
-          <p:cNvPr id="3" name="内容占位符 2"/>
-          <p:cNvSpPr>
-            <a:spLocks noGrp="1"/>
-          </p:cNvSpPr>
-          <p:nvPr>
-            <p:ph idx="1"/>
-          </p:nvPr>
+          <p:cNvPr id="5" name="幻灯片编号占位符 3"/>
+          <p:cNvSpPr txBox="1"/>
+          <p:nvPr/>
         </p:nvSpPr>
-        <p:spPr/>
+        <p:spPr>
+          <a:xfrm>
+            <a:off x="8316416" y="4767263"/>
+            <a:ext cx="2133600" cy="273844"/>
+          </a:xfrm>
+          <a:prstGeom prst="rect">
+            <a:avLst/>
+          </a:prstGeom>
+        </p:spPr>
         <p:txBody>
-          <a:bodyPr>
-            <a:noAutofit/>
-          </a:bodyPr>
-          <a:lstStyle/>
-          <a:p>
-            <a:pPr>
-              <a:buFont typeface="+mj-lt"/>
-              <a:buAutoNum type="arabicPeriod"/>
-            </a:pPr>
-            <a:r>
-              <a:rPr lang="zh-CN" altLang="en-US" dirty="0" smtClean="0">
-                <a:solidFill>
-                  <a:schemeClr val="tx1"/>
-                </a:solidFill>
-              </a:rPr>
-              <a:t>自我介绍</a:t>
-            </a:r>
-            <a:endParaRPr lang="zh-CN" altLang="en-US" dirty="0">
-              <a:solidFill>
-                <a:schemeClr val="tx1"/>
-              </a:solidFill>
-            </a:endParaRPr>
-          </a:p>
-          <a:p>
-            <a:pPr>
-              <a:buFont typeface="+mj-lt"/>
-              <a:buAutoNum type="arabicPeriod"/>
-            </a:pPr>
-            <a:r>
-              <a:rPr lang="zh-CN" altLang="en-US" dirty="0">
-                <a:solidFill>
-                  <a:schemeClr val="tx1"/>
-                </a:solidFill>
-              </a:rPr>
-              <a:t>业务的贡献</a:t>
-            </a:r>
-            <a:r>
-              <a:rPr lang="zh-CN" altLang="en-US" dirty="0" smtClean="0">
-                <a:solidFill>
-                  <a:schemeClr val="tx1"/>
-                </a:solidFill>
-              </a:rPr>
-              <a:t>度</a:t>
-            </a:r>
-            <a:r>
-              <a:rPr lang="en-US" altLang="zh-CN" dirty="0" smtClean="0">
-                <a:solidFill>
-                  <a:schemeClr val="tx1"/>
-                </a:solidFill>
-              </a:rPr>
-              <a:t>(</a:t>
-            </a:r>
-            <a:r>
-              <a:rPr lang="zh-CN" altLang="en-US" dirty="0" smtClean="0">
-                <a:solidFill>
-                  <a:srgbClr val="FF0000"/>
-                </a:solidFill>
-              </a:rPr>
-              <a:t>重点</a:t>
-            </a:r>
-            <a:r>
-              <a:rPr lang="zh-CN" altLang="en-US" dirty="0" smtClean="0">
-                <a:solidFill>
-                  <a:schemeClr val="tx1"/>
-                </a:solidFill>
-              </a:rPr>
-              <a:t>讲</a:t>
-            </a:r>
-            <a:r>
-              <a:rPr lang="zh-CN" altLang="en-US" dirty="0" smtClean="0">
-                <a:solidFill>
-                  <a:srgbClr val="FF0000"/>
-                </a:solidFill>
-              </a:rPr>
-              <a:t>你</a:t>
-            </a:r>
-            <a:r>
-              <a:rPr lang="zh-CN" altLang="en-US" dirty="0" smtClean="0">
-                <a:solidFill>
-                  <a:schemeClr val="tx1"/>
-                </a:solidFill>
-              </a:rPr>
-              <a:t>参与的产品线和结果</a:t>
-            </a:r>
-            <a:r>
-              <a:rPr lang="en-US" altLang="zh-CN" dirty="0" smtClean="0">
-                <a:solidFill>
-                  <a:schemeClr val="tx1"/>
-                </a:solidFill>
-              </a:rPr>
-              <a:t>+</a:t>
-            </a:r>
-            <a:r>
-              <a:rPr lang="zh-CN" altLang="en-US" dirty="0" smtClean="0">
-                <a:solidFill>
-                  <a:srgbClr val="FF0000"/>
-                </a:solidFill>
-              </a:rPr>
-              <a:t>项目见解、展望</a:t>
-            </a:r>
-            <a:r>
-              <a:rPr lang="en-US" altLang="zh-CN" dirty="0" smtClean="0">
-                <a:solidFill>
-                  <a:schemeClr val="tx1"/>
-                </a:solidFill>
-              </a:rPr>
-              <a:t>)</a:t>
-            </a:r>
-            <a:r>
-              <a:rPr lang="zh-CN" altLang="en-US" dirty="0" smtClean="0">
-                <a:solidFill>
-                  <a:schemeClr val="tx1"/>
-                </a:solidFill>
-              </a:rPr>
-              <a:t>　（</a:t>
-            </a:r>
-            <a:r>
-              <a:rPr lang="zh-CN" altLang="en-US" dirty="0" smtClean="0">
-                <a:solidFill>
-                  <a:srgbClr val="FF0000"/>
-                </a:solidFill>
-              </a:rPr>
-              <a:t>多用图和表</a:t>
-            </a:r>
-            <a:r>
-              <a:rPr lang="zh-CN" altLang="en-US" dirty="0" smtClean="0">
-                <a:solidFill>
-                  <a:schemeClr val="tx1"/>
-                </a:solidFill>
-              </a:rPr>
-              <a:t>）</a:t>
-            </a:r>
-            <a:endParaRPr lang="en-US" altLang="zh-CN" dirty="0" smtClean="0">
-              <a:solidFill>
-                <a:schemeClr val="tx1"/>
-              </a:solidFill>
-            </a:endParaRPr>
-          </a:p>
-          <a:p>
-            <a:pPr>
-              <a:buFont typeface="+mj-lt"/>
-              <a:buAutoNum type="arabicPeriod"/>
-            </a:pPr>
-            <a:r>
-              <a:rPr lang="zh-CN" altLang="en-US" dirty="0" smtClean="0">
-                <a:solidFill>
-                  <a:schemeClr val="tx1"/>
-                </a:solidFill>
-              </a:rPr>
-              <a:t>技术介绍</a:t>
-            </a:r>
-            <a:r>
-              <a:rPr lang="en-US" altLang="zh-CN" dirty="0" smtClean="0">
-                <a:solidFill>
-                  <a:schemeClr val="tx1"/>
-                </a:solidFill>
-              </a:rPr>
-              <a:t>(</a:t>
-            </a:r>
-            <a:r>
-              <a:rPr lang="zh-CN" altLang="en-US" dirty="0" smtClean="0">
-                <a:solidFill>
-                  <a:schemeClr val="tx1"/>
-                </a:solidFill>
-              </a:rPr>
-              <a:t>技术深度、</a:t>
-            </a:r>
-            <a:r>
-              <a:rPr lang="zh-CN" altLang="en-US" dirty="0" smtClean="0">
-                <a:solidFill>
-                  <a:srgbClr val="FF0000"/>
-                </a:solidFill>
-              </a:rPr>
-              <a:t>软件架构理解和实际应用</a:t>
-            </a:r>
-            <a:r>
-              <a:rPr lang="zh-CN" altLang="en-US" dirty="0" smtClean="0">
-                <a:solidFill>
-                  <a:schemeClr val="tx1"/>
-                </a:solidFill>
-              </a:rPr>
-              <a:t>）</a:t>
-            </a:r>
-          </a:p>
-          <a:p>
-            <a:pPr>
-              <a:buFont typeface="+mj-lt"/>
-              <a:buAutoNum type="arabicPeriod"/>
-            </a:pPr>
-            <a:r>
-              <a:rPr lang="zh-CN" altLang="en-US" dirty="0" smtClean="0">
-                <a:solidFill>
-                  <a:schemeClr val="tx1"/>
-                </a:solidFill>
-              </a:rPr>
-              <a:t>学习计划和总结</a:t>
-            </a:r>
-            <a:endParaRPr lang="zh-CN" altLang="en-US" dirty="0">
-              <a:solidFill>
-                <a:schemeClr val="tx1"/>
-              </a:solidFill>
-            </a:endParaRPr>
+          <a:bodyPr vert="horz" lIns="91440" tIns="45720" rIns="91440" bIns="45720" rtlCol="0" anchor="ctr"/>
+          <a:lstStyle>
+            <a:defPPr>
+              <a:defRPr lang="zh-CN"/>
+            </a:defPPr>
+            <a:lvl1pPr marL="0" algn="l" defTabSz="914400" rtl="0" eaLnBrk="1" latinLnBrk="0" hangingPunct="1">
+              <a:defRPr sz="1200" kern="1200">
+                <a:solidFill>
+                  <a:schemeClr val="tx1">
+                    <a:tint val="75000"/>
+                  </a:schemeClr>
+                </a:solidFill>
+                <a:latin typeface="+mn-lt"/>
+                <a:ea typeface="+mn-ea"/>
+                <a:cs typeface="+mn-cs"/>
+              </a:defRPr>
+            </a:lvl1pPr>
+            <a:lvl2pPr marL="457200" algn="l" defTabSz="914400" rtl="0" eaLnBrk="1" latinLnBrk="0" hangingPunct="1">
+              <a:defRPr sz="1800" kern="1200">
+                <a:solidFill>
+                  <a:schemeClr val="tx1"/>
+                </a:solidFill>
+                <a:latin typeface="+mn-lt"/>
+                <a:ea typeface="+mn-ea"/>
+                <a:cs typeface="+mn-cs"/>
+              </a:defRPr>
+            </a:lvl2pPr>
+            <a:lvl3pPr marL="914400" algn="l" defTabSz="914400" rtl="0" eaLnBrk="1" latinLnBrk="0" hangingPunct="1">
+              <a:defRPr sz="1800" kern="1200">
+                <a:solidFill>
+                  <a:schemeClr val="tx1"/>
+                </a:solidFill>
+                <a:latin typeface="+mn-lt"/>
+                <a:ea typeface="+mn-ea"/>
+                <a:cs typeface="+mn-cs"/>
+              </a:defRPr>
+            </a:lvl3pPr>
+            <a:lvl4pPr marL="1371600" algn="l" defTabSz="914400" rtl="0" eaLnBrk="1" latinLnBrk="0" hangingPunct="1">
+              <a:defRPr sz="1800" kern="1200">
+                <a:solidFill>
+                  <a:schemeClr val="tx1"/>
+                </a:solidFill>
+                <a:latin typeface="+mn-lt"/>
+                <a:ea typeface="+mn-ea"/>
+                <a:cs typeface="+mn-cs"/>
+              </a:defRPr>
+            </a:lvl4pPr>
+            <a:lvl5pPr marL="1828800" algn="l" defTabSz="914400" rtl="0" eaLnBrk="1" latinLnBrk="0" hangingPunct="1">
+              <a:defRPr sz="1800" kern="1200">
+                <a:solidFill>
+                  <a:schemeClr val="tx1"/>
+                </a:solidFill>
+                <a:latin typeface="+mn-lt"/>
+                <a:ea typeface="+mn-ea"/>
+                <a:cs typeface="+mn-cs"/>
+              </a:defRPr>
+            </a:lvl5pPr>
+            <a:lvl6pPr marL="2286000" algn="l" defTabSz="914400" rtl="0" eaLnBrk="1" latinLnBrk="0" hangingPunct="1">
+              <a:defRPr sz="1800" kern="1200">
+                <a:solidFill>
+                  <a:schemeClr val="tx1"/>
+                </a:solidFill>
+                <a:latin typeface="+mn-lt"/>
+                <a:ea typeface="+mn-ea"/>
+                <a:cs typeface="+mn-cs"/>
+              </a:defRPr>
+            </a:lvl6pPr>
+            <a:lvl7pPr marL="2743200" algn="l" defTabSz="914400" rtl="0" eaLnBrk="1" latinLnBrk="0" hangingPunct="1">
+              <a:defRPr sz="1800" kern="1200">
+                <a:solidFill>
+                  <a:schemeClr val="tx1"/>
+                </a:solidFill>
+                <a:latin typeface="+mn-lt"/>
+                <a:ea typeface="+mn-ea"/>
+                <a:cs typeface="+mn-cs"/>
+              </a:defRPr>
+            </a:lvl7pPr>
+            <a:lvl8pPr marL="3200400" algn="l" defTabSz="914400" rtl="0" eaLnBrk="1" latinLnBrk="0" hangingPunct="1">
+              <a:defRPr sz="1800" kern="1200">
+                <a:solidFill>
+                  <a:schemeClr val="tx1"/>
+                </a:solidFill>
+                <a:latin typeface="+mn-lt"/>
+                <a:ea typeface="+mn-ea"/>
+                <a:cs typeface="+mn-cs"/>
+              </a:defRPr>
+            </a:lvl8pPr>
+            <a:lvl9pPr marL="3657600" algn="l" defTabSz="914400" rtl="0" eaLnBrk="1" latinLnBrk="0" hangingPunct="1">
+              <a:defRPr sz="1800" kern="1200">
+                <a:solidFill>
+                  <a:schemeClr val="tx1"/>
+                </a:solidFill>
+                <a:latin typeface="+mn-lt"/>
+                <a:ea typeface="+mn-ea"/>
+                <a:cs typeface="+mn-cs"/>
+              </a:defRPr>
+            </a:lvl9pPr>
+          </a:lstStyle>
+          <a:p>
+            <a:fld id="{0C913308-F349-4B6D-A68A-DD1791B4A57B}" type="slidenum">
+              <a:rPr lang="zh-CN" altLang="en-US" smtClean="0"/>
+            </a:fld>
+            <a:endParaRPr lang="zh-CN" altLang="en-US" dirty="0"/>
           </a:p>
         </p:txBody>
       </p:sp>
       <p:sp>
         <p:nvSpPr>
-          <p:cNvPr id="4" name="幻灯片编号占位符 3"/>
-          <p:cNvSpPr>
-            <a:spLocks noGrp="1"/>
-          </p:cNvSpPr>
-          <p:nvPr>
-            <p:ph type="sldNum" sz="quarter" idx="4294967295"/>
-          </p:nvPr>
+          <p:cNvPr id="7" name="矩形 6"/>
+          <p:cNvSpPr/>
+          <p:nvPr/>
         </p:nvSpPr>
         <p:spPr>
           <a:xfrm>
-            <a:off x="8316416" y="4767263"/>
-            <a:ext cx="2133600" cy="273844"/>
-          </a:xfrm>
+            <a:off x="259255" y="467103"/>
+            <a:ext cx="64273" cy="376455"/>
+          </a:xfrm>
+          <a:prstGeom prst="rect">
+            <a:avLst/>
+          </a:prstGeom>
+          <a:solidFill>
+            <a:srgbClr val="FF5400"/>
+          </a:solidFill>
+          <a:ln>
+            <a:noFill/>
+          </a:ln>
         </p:spPr>
+        <p:style>
+          <a:lnRef idx="2">
+            <a:schemeClr val="accent1">
+              <a:shade val="50000"/>
+            </a:schemeClr>
+          </a:lnRef>
+          <a:fillRef idx="1">
+            <a:schemeClr val="accent1"/>
+          </a:fillRef>
+          <a:effectRef idx="0">
+            <a:schemeClr val="accent1"/>
+          </a:effectRef>
+          <a:fontRef idx="minor">
+            <a:schemeClr val="lt1"/>
+          </a:fontRef>
+        </p:style>
         <p:txBody>
-          <a:bodyPr/>
+          <a:bodyPr rtlCol="0" anchor="ctr"/>
           <a:lstStyle/>
           <a:p>
-            <a:fld id="{0C913308-F349-4B6D-A68A-DD1791B4A57B}" type="slidenum">
-              <a:rPr lang="zh-CN" altLang="en-US" smtClean="0"/>
-              <a:t>1</a:t>
-            </a:fld>
-            <a:endParaRPr lang="zh-CN" altLang="en-US" dirty="0"/>
+            <a:pPr algn="ctr"/>
+            <a:endParaRPr kumimoji="1" lang="zh-CN" altLang="en-US" sz="1350"/>
           </a:p>
         </p:txBody>
       </p:sp>
@@ -6921,7 +6212,7 @@
       </p:grpSpPr>
       <p:sp>
         <p:nvSpPr>
-          <p:cNvPr id="4" name="内容占位符 3"/>
+          <p:cNvPr id="2" name="内容占位符 1"/>
           <p:cNvSpPr>
             <a:spLocks noGrp="1"/>
           </p:cNvSpPr>
@@ -6929,94 +6220,123 @@
             <p:ph idx="1"/>
           </p:nvPr>
         </p:nvSpPr>
-        <p:spPr/>
+        <p:spPr>
+          <a:xfrm>
+            <a:off x="3348000" y="1393200"/>
+            <a:ext cx="5400464" cy="2880320"/>
+          </a:xfrm>
+        </p:spPr>
         <p:txBody>
           <a:bodyPr/>
           <a:lstStyle/>
           <a:p>
             <a:r>
-              <a:rPr altLang="zh-CN" dirty="0" smtClean="0"/>
-              <a:t>尚魁魁</a:t>
+              <a:rPr lang="zh-CN" altLang="en-US" dirty="0" smtClean="0"/>
+              <a:t>美</a:t>
+            </a:r>
+            <a:r>
+              <a:rPr lang="zh-CN" altLang="en-US" dirty="0"/>
+              <a:t>办桌面端 </a:t>
             </a:r>
             <a:endParaRPr lang="en-US" altLang="zh-CN" dirty="0" smtClean="0"/>
           </a:p>
           <a:p>
-            <a:endParaRPr lang="en-US" altLang="zh-CN" dirty="0"/>
-          </a:p>
-          <a:p>
+            <a:endParaRPr lang="en-US" altLang="zh-CN" dirty="0" smtClean="0"/>
+          </a:p>
+          <a:p>
+            <a:r>
+              <a:rPr lang="zh-CN" altLang="en-US" dirty="0" smtClean="0">
+                <a:sym typeface="+mn-ea"/>
+              </a:rPr>
+              <a:t>技</a:t>
+            </a:r>
+            <a:r>
+              <a:rPr lang="zh-CN" altLang="en-US" dirty="0">
+                <a:sym typeface="+mn-ea"/>
+              </a:rPr>
+              <a:t>术选型：基</a:t>
+            </a:r>
+            <a:r>
+              <a:rPr lang="zh-CN" altLang="en-US" dirty="0" smtClean="0">
+                <a:sym typeface="+mn-ea"/>
+              </a:rPr>
+              <a:t>于</a:t>
+            </a:r>
+            <a:r>
+              <a:rPr lang="en-US" altLang="zh-CN" dirty="0" smtClean="0">
+                <a:sym typeface="+mn-ea"/>
+              </a:rPr>
+              <a:t>QT</a:t>
+            </a:r>
+            <a:r>
+              <a:rPr lang="zh-CN" altLang="en-US" dirty="0" smtClean="0">
+                <a:sym typeface="+mn-ea"/>
+              </a:rPr>
+              <a:t>开发</a:t>
+            </a:r>
+            <a:r>
+              <a:rPr lang="en-US" altLang="zh-CN" dirty="0" smtClean="0"/>
+              <a:t>PC</a:t>
+            </a:r>
             <a:r>
               <a:rPr lang="zh-CN" altLang="en-US" dirty="0" smtClean="0"/>
-              <a:t>河北工程大学</a:t>
+              <a:t>端</a:t>
             </a:r>
             <a:r>
               <a:rPr lang="en-US" altLang="zh-CN" dirty="0" smtClean="0"/>
-              <a:t>-</a:t>
-            </a:r>
-            <a:r>
-              <a:rPr lang="zh-CN" altLang="en-US" dirty="0" smtClean="0"/>
-              <a:t>本科</a:t>
-            </a:r>
-            <a:endParaRPr lang="en-US" altLang="zh-CN" dirty="0" smtClean="0"/>
-          </a:p>
-          <a:p>
-            <a:endParaRPr lang="en-US" altLang="zh-CN" dirty="0"/>
-          </a:p>
-          <a:p>
-            <a:r>
-              <a:rPr lang="zh-CN" altLang="en-US" dirty="0" smtClean="0"/>
-              <a:t>半年</a:t>
-            </a:r>
-            <a:r>
-              <a:rPr lang="en-US" altLang="zh-CN" dirty="0" smtClean="0"/>
-              <a:t>Android</a:t>
-            </a:r>
-            <a:r>
-              <a:rPr lang="zh-CN" altLang="en-US" dirty="0" smtClean="0"/>
-              <a:t>开发，一年前端开发</a:t>
-            </a:r>
-            <a:endParaRPr lang="en-US" altLang="zh-CN" dirty="0" smtClean="0"/>
-          </a:p>
-          <a:p>
-            <a:endParaRPr lang="en-US" altLang="zh-CN" dirty="0" smtClean="0"/>
-          </a:p>
-          <a:p>
-            <a:r>
-              <a:rPr lang="en-US" altLang="zh-CN" dirty="0" smtClean="0"/>
-              <a:t>2017</a:t>
-            </a:r>
-            <a:r>
-              <a:rPr lang="zh-CN" altLang="en-US" dirty="0" smtClean="0"/>
-              <a:t>年</a:t>
-            </a:r>
-            <a:r>
-              <a:rPr lang="en-US" altLang="zh-CN" dirty="0" smtClean="0"/>
-              <a:t>03</a:t>
-            </a:r>
-            <a:r>
-              <a:rPr lang="zh-CN" altLang="en-US" dirty="0" smtClean="0"/>
-              <a:t>月加入国美，从事 前</a:t>
-            </a:r>
-            <a:r>
-              <a:rPr lang="zh-CN" altLang="en-US" dirty="0"/>
-              <a:t>端开发工程师 </a:t>
-            </a:r>
-            <a:r>
-              <a:rPr lang="zh-CN" altLang="en-US" dirty="0" smtClean="0"/>
-              <a:t>工作</a:t>
-            </a:r>
-            <a:endParaRPr lang="en-US" altLang="zh-CN" dirty="0"/>
-          </a:p>
-          <a:p>
-            <a:endParaRPr altLang="zh-CN" dirty="0"/>
-          </a:p>
-          <a:p>
-            <a:endParaRPr altLang="zh-CN" dirty="0"/>
+              <a:t>IM</a:t>
+            </a:r>
+            <a:r>
+              <a:rPr lang="zh-CN" altLang="en-US" dirty="0" smtClean="0">
+                <a:sym typeface="+mn-ea"/>
+              </a:rPr>
+              <a:t>混</a:t>
+            </a:r>
+            <a:r>
+              <a:rPr lang="zh-CN" altLang="en-US" dirty="0">
+                <a:sym typeface="+mn-ea"/>
+              </a:rPr>
+              <a:t>合应</a:t>
+            </a:r>
+            <a:r>
+              <a:rPr lang="zh-CN" altLang="en-US" dirty="0" smtClean="0">
+                <a:sym typeface="+mn-ea"/>
+              </a:rPr>
+              <a:t>用</a:t>
+            </a:r>
+            <a:endParaRPr lang="en-US" altLang="zh-CN" dirty="0" smtClean="0">
+              <a:sym typeface="+mn-ea"/>
+            </a:endParaRPr>
+          </a:p>
+          <a:p>
+            <a:endParaRPr lang="zh-CN" altLang="en-US" dirty="0"/>
+          </a:p>
+          <a:p>
+            <a:r>
+              <a:rPr lang="zh-CN" altLang="en-US" dirty="0">
+                <a:sym typeface="+mn-ea"/>
+              </a:rPr>
+              <a:t>对前</a:t>
+            </a:r>
+            <a:r>
+              <a:rPr lang="zh-CN" altLang="en-US" dirty="0" smtClean="0">
+                <a:sym typeface="+mn-ea"/>
+              </a:rPr>
+              <a:t>端具有</a:t>
+            </a:r>
+            <a:r>
+              <a:rPr lang="zh-CN" altLang="en-US" dirty="0">
+                <a:sym typeface="+mn-ea"/>
+              </a:rPr>
+              <a:t>一定挑战性</a:t>
+            </a:r>
+            <a:endParaRPr lang="zh-CN" altLang="en-US" dirty="0"/>
           </a:p>
         </p:txBody>
       </p:sp>
       <p:sp>
         <p:nvSpPr>
-          <p:cNvPr id="2" name="标题 1"/>
+          <p:cNvPr id="3" name="标题 2"/>
           <p:cNvSpPr>
             <a:spLocks noGrp="1"/>
           </p:cNvSpPr>
@@ -7035,7 +6355,7 @@
                   <a:srgbClr val="CA022A"/>
                 </a:solidFill>
               </a:rPr>
-              <a:t>自我介绍</a:t>
+              <a:t>产品线</a:t>
             </a:r>
             <a:endParaRPr lang="zh-CN" altLang="en-US" sz="2000" dirty="0"/>
           </a:p>
@@ -7043,7 +6363,7 @@
       </p:sp>
       <p:sp>
         <p:nvSpPr>
-          <p:cNvPr id="5" name="幻灯片编号占位符 3"/>
+          <p:cNvPr id="8" name="幻灯片编号占位符 3"/>
           <p:cNvSpPr txBox="1"/>
           <p:nvPr/>
         </p:nvSpPr>
@@ -7158,15 +6478,44 @@
           <a:p>
             <a:fld id="{0C913308-F349-4B6D-A68A-DD1791B4A57B}" type="slidenum">
               <a:rPr lang="zh-CN" altLang="en-US" smtClean="0"/>
-              <a:t>2</a:t>
             </a:fld>
             <a:endParaRPr lang="zh-CN" altLang="en-US" dirty="0"/>
           </a:p>
         </p:txBody>
       </p:sp>
+      <p:pic>
+        <p:nvPicPr>
+          <p:cNvPr id="9" name="图片 8"/>
+          <p:cNvPicPr>
+            <a:picLocks noChangeAspect="1"/>
+          </p:cNvPicPr>
+          <p:nvPr/>
+        </p:nvPicPr>
+        <p:blipFill>
+          <a:blip r:embed="rId1">
+            <a:extLst>
+              <a:ext uri="{28A0092B-C50C-407E-A947-70E740481C1C}">
+                <a14:useLocalDpi xmlns:a14="http://schemas.microsoft.com/office/drawing/2010/main" val="0"/>
+              </a:ext>
+            </a:extLst>
+          </a:blip>
+          <a:stretch>
+            <a:fillRect/>
+          </a:stretch>
+        </p:blipFill>
+        <p:spPr>
+          <a:xfrm>
+            <a:off x="539501" y="1323167"/>
+            <a:ext cx="2561609" cy="2561609"/>
+          </a:xfrm>
+          <a:prstGeom prst="rect">
+            <a:avLst/>
+          </a:prstGeom>
+        </p:spPr>
+      </p:pic>
       <p:sp>
         <p:nvSpPr>
-          <p:cNvPr id="7" name="矩形 6"/>
+          <p:cNvPr id="10" name="矩形 9"/>
           <p:cNvSpPr/>
           <p:nvPr/>
         </p:nvSpPr>
@@ -7242,130 +6591,36 @@
           <a:chExt cx="0" cy="0"/>
         </a:xfrm>
       </p:grpSpPr>
-      <p:sp>
-        <p:nvSpPr>
-          <p:cNvPr id="2" name="内容占位符 1"/>
-          <p:cNvSpPr>
-            <a:spLocks noGrp="1"/>
-          </p:cNvSpPr>
-          <p:nvPr>
-            <p:ph idx="1"/>
-          </p:nvPr>
-        </p:nvSpPr>
+      <p:pic>
+        <p:nvPicPr>
+          <p:cNvPr id="11" name="图片 10"/>
+          <p:cNvPicPr>
+            <a:picLocks noChangeAspect="1"/>
+          </p:cNvPicPr>
+          <p:nvPr/>
+        </p:nvPicPr>
+        <p:blipFill>
+          <a:blip r:embed="rId1">
+            <a:extLst>
+              <a:ext uri="{28A0092B-C50C-407E-A947-70E740481C1C}">
+                <a14:useLocalDpi xmlns:a14="http://schemas.microsoft.com/office/drawing/2010/main" val="0"/>
+              </a:ext>
+            </a:extLst>
+          </a:blip>
+          <a:stretch>
+            <a:fillRect/>
+          </a:stretch>
+        </p:blipFill>
         <p:spPr>
           <a:xfrm>
-            <a:off x="3348000" y="1393200"/>
-            <a:ext cx="5400464" cy="2880320"/>
-          </a:xfrm>
+            <a:off x="326482" y="746348"/>
+            <a:ext cx="8439150" cy="4057650"/>
+          </a:xfrm>
+          <a:prstGeom prst="rect">
+            <a:avLst/>
+          </a:prstGeom>
         </p:spPr>
-        <p:txBody>
-          <a:bodyPr/>
-          <a:lstStyle/>
-          <a:p>
-            <a:r>
-              <a:rPr lang="zh-CN" altLang="en-US" dirty="0" smtClean="0"/>
-              <a:t>美</a:t>
-            </a:r>
-            <a:r>
-              <a:rPr lang="zh-CN" altLang="en-US" dirty="0"/>
-              <a:t>办桌面端 </a:t>
-            </a:r>
-            <a:endParaRPr lang="en-US" altLang="zh-CN" dirty="0" smtClean="0"/>
-          </a:p>
-          <a:p>
-            <a:endParaRPr lang="en-US" altLang="zh-CN" dirty="0" smtClean="0"/>
-          </a:p>
-          <a:p>
-            <a:r>
-              <a:rPr lang="zh-CN" altLang="en-US" dirty="0" smtClean="0">
-                <a:sym typeface="+mn-ea"/>
-              </a:rPr>
-              <a:t>技</a:t>
-            </a:r>
-            <a:r>
-              <a:rPr lang="zh-CN" altLang="en-US" dirty="0">
-                <a:sym typeface="+mn-ea"/>
-              </a:rPr>
-              <a:t>术选型：基</a:t>
-            </a:r>
-            <a:r>
-              <a:rPr lang="zh-CN" altLang="en-US" dirty="0" smtClean="0">
-                <a:sym typeface="+mn-ea"/>
-              </a:rPr>
-              <a:t>于</a:t>
-            </a:r>
-            <a:r>
-              <a:rPr lang="en-US" altLang="zh-CN" dirty="0" smtClean="0">
-                <a:sym typeface="+mn-ea"/>
-              </a:rPr>
-              <a:t>QT</a:t>
-            </a:r>
-            <a:r>
-              <a:rPr lang="zh-CN" altLang="en-US" dirty="0" smtClean="0">
-                <a:sym typeface="+mn-ea"/>
-              </a:rPr>
-              <a:t>开发</a:t>
-            </a:r>
-            <a:r>
-              <a:rPr lang="en-US" altLang="zh-CN" dirty="0" smtClean="0"/>
-              <a:t>PC</a:t>
-            </a:r>
-            <a:r>
-              <a:rPr lang="zh-CN" altLang="en-US" dirty="0" smtClean="0"/>
-              <a:t>端</a:t>
-            </a:r>
-            <a:r>
-              <a:rPr lang="en-US" altLang="zh-CN" dirty="0" smtClean="0"/>
-              <a:t>IM</a:t>
-            </a:r>
-            <a:r>
-              <a:rPr lang="zh-CN" altLang="en-US" dirty="0" smtClean="0">
-                <a:sym typeface="+mn-ea"/>
-              </a:rPr>
-              <a:t>混</a:t>
-            </a:r>
-            <a:r>
-              <a:rPr lang="zh-CN" altLang="en-US" dirty="0">
-                <a:sym typeface="+mn-ea"/>
-              </a:rPr>
-              <a:t>合应</a:t>
-            </a:r>
-            <a:r>
-              <a:rPr lang="zh-CN" altLang="en-US" dirty="0" smtClean="0">
-                <a:sym typeface="+mn-ea"/>
-              </a:rPr>
-              <a:t>用</a:t>
-            </a:r>
-            <a:endParaRPr lang="en-US" altLang="zh-CN" dirty="0" smtClean="0">
-              <a:sym typeface="+mn-ea"/>
-            </a:endParaRPr>
-          </a:p>
-          <a:p>
-            <a:endParaRPr lang="zh-CN" altLang="en-US" dirty="0"/>
-          </a:p>
-          <a:p>
-            <a:r>
-              <a:rPr lang="zh-CN" altLang="en-US" dirty="0">
-                <a:sym typeface="+mn-ea"/>
-              </a:rPr>
-              <a:t>对前</a:t>
-            </a:r>
-            <a:r>
-              <a:rPr lang="zh-CN" altLang="en-US" dirty="0" smtClean="0">
-                <a:sym typeface="+mn-ea"/>
-              </a:rPr>
-              <a:t>端具有</a:t>
-            </a:r>
-            <a:r>
-              <a:rPr lang="zh-CN" altLang="en-US" dirty="0">
-                <a:sym typeface="+mn-ea"/>
-              </a:rPr>
-              <a:t>一定挑战性</a:t>
-            </a:r>
-            <a:endParaRPr lang="zh-CN" altLang="en-US" dirty="0"/>
-          </a:p>
-        </p:txBody>
-      </p:sp>
+      </p:pic>
       <p:sp>
         <p:nvSpPr>
           <p:cNvPr id="3" name="标题 2"/>
@@ -7382,7 +6637,7 @@
           <a:lstStyle/>
           <a:p>
             <a:r>
-              <a:rPr lang="zh-CN" altLang="en-US" dirty="0" smtClean="0">
+              <a:rPr lang="zh-CN" altLang="en-US" dirty="0">
                 <a:solidFill>
                   <a:srgbClr val="CA022A"/>
                 </a:solidFill>
@@ -7510,45 +6765,130 @@
           <a:p>
             <a:fld id="{0C913308-F349-4B6D-A68A-DD1791B4A57B}" type="slidenum">
               <a:rPr lang="zh-CN" altLang="en-US" smtClean="0"/>
-              <a:t>3</a:t>
             </a:fld>
             <a:endParaRPr lang="zh-CN" altLang="en-US" dirty="0"/>
           </a:p>
         </p:txBody>
       </p:sp>
-      <p:pic>
-        <p:nvPicPr>
-          <p:cNvPr id="9" name="图片 8"/>
-          <p:cNvPicPr>
-            <a:picLocks noChangeAspect="1"/>
-          </p:cNvPicPr>
+      <p:sp>
+        <p:nvSpPr>
+          <p:cNvPr id="13" name="矩形 12"/>
+          <p:cNvSpPr/>
           <p:nvPr/>
-        </p:nvPicPr>
-        <p:blipFill>
-          <a:blip r:embed="rId2">
-            <a:extLst>
-              <a:ext uri="{28A0092B-C50C-407E-A947-70E740481C1C}">
-                <a14:useLocalDpi xmlns:a14="http://schemas.microsoft.com/office/drawing/2010/main" val="0"/>
-              </a:ext>
-            </a:extLst>
-          </a:blip>
-          <a:stretch>
-            <a:fillRect/>
-          </a:stretch>
-        </p:blipFill>
+        </p:nvSpPr>
         <p:spPr>
           <a:xfrm>
-            <a:off x="539501" y="1323167"/>
-            <a:ext cx="2561609" cy="2561609"/>
+            <a:off x="8647200" y="987574"/>
+            <a:ext cx="496800" cy="3600400"/>
           </a:xfrm>
           <a:prstGeom prst="rect">
             <a:avLst/>
           </a:prstGeom>
+          <a:solidFill>
+            <a:schemeClr val="bg1"/>
+          </a:solidFill>
+          <a:ln>
+            <a:noFill/>
+          </a:ln>
         </p:spPr>
-      </p:pic>
+        <p:style>
+          <a:lnRef idx="2">
+            <a:schemeClr val="accent1">
+              <a:shade val="50000"/>
+            </a:schemeClr>
+          </a:lnRef>
+          <a:fillRef idx="1">
+            <a:schemeClr val="accent1"/>
+          </a:fillRef>
+          <a:effectRef idx="0">
+            <a:schemeClr val="accent1"/>
+          </a:effectRef>
+          <a:fontRef idx="minor">
+            <a:schemeClr val="lt1"/>
+          </a:fontRef>
+        </p:style>
+        <p:txBody>
+          <a:bodyPr rtlCol="0" anchor="ctr"/>
+          <a:lstStyle/>
+          <a:p>
+            <a:pPr algn="ctr" defTabSz="914400"/>
+            <a:endParaRPr kumimoji="0" lang="zh-CN" altLang="en-US" sz="1800" b="0" i="0" u="none" strike="noStrike" kern="0" cap="none" spc="0" normalizeH="0" baseline="0" noProof="0" dirty="0">
+              <a:ln>
+                <a:noFill/>
+              </a:ln>
+              <a:solidFill>
+                <a:sysClr val="windowText" lastClr="000000"/>
+              </a:solidFill>
+              <a:effectLst/>
+              <a:uLnTx/>
+              <a:uFillTx/>
+              <a:cs typeface="+mn-ea"/>
+              <a:sym typeface="+mn-lt"/>
+            </a:endParaRPr>
+          </a:p>
+        </p:txBody>
+      </p:sp>
       <p:sp>
         <p:nvSpPr>
-          <p:cNvPr id="10" name="矩形 9"/>
+          <p:cNvPr id="14" name="矩形 13"/>
+          <p:cNvSpPr/>
+          <p:nvPr/>
+        </p:nvSpPr>
+        <p:spPr>
+          <a:xfrm>
+            <a:off x="11200" y="987574"/>
+            <a:ext cx="301625" cy="3528392"/>
+          </a:xfrm>
+          <a:prstGeom prst="rect">
+            <a:avLst/>
+          </a:prstGeom>
+          <a:solidFill>
+            <a:schemeClr val="bg1"/>
+          </a:solidFill>
+          <a:ln>
+            <a:noFill/>
+          </a:ln>
+        </p:spPr>
+        <p:style>
+          <a:lnRef idx="2">
+            <a:schemeClr val="accent1">
+              <a:shade val="50000"/>
+            </a:schemeClr>
+          </a:lnRef>
+          <a:fillRef idx="1">
+            <a:schemeClr val="accent1"/>
+          </a:fillRef>
+          <a:effectRef idx="0">
+            <a:schemeClr val="accent1"/>
+          </a:effectRef>
+          <a:fontRef idx="minor">
+            <a:schemeClr val="lt1"/>
+          </a:fontRef>
+        </p:style>
+        <p:txBody>
+          <a:bodyPr rtlCol="0" anchor="ctr"/>
+          <a:lstStyle/>
+          <a:p>
+            <a:pPr algn="ctr" defTabSz="914400"/>
+            <a:endParaRPr kumimoji="0" lang="zh-CN" altLang="en-US" sz="1800" b="0" i="0" u="none" strike="noStrike" kern="0" cap="none" spc="0" normalizeH="0" baseline="0" noProof="0" dirty="0">
+              <a:ln>
+                <a:noFill/>
+              </a:ln>
+              <a:solidFill>
+                <a:sysClr val="windowText" lastClr="000000"/>
+              </a:solidFill>
+              <a:effectLst/>
+              <a:uLnTx/>
+              <a:uFillTx/>
+              <a:cs typeface="+mn-ea"/>
+              <a:sym typeface="+mn-lt"/>
+            </a:endParaRPr>
+          </a:p>
+        </p:txBody>
+      </p:sp>
+      <p:sp>
+        <p:nvSpPr>
+          <p:cNvPr id="15" name="矩形 14"/>
           <p:cNvSpPr/>
           <p:nvPr/>
         </p:nvSpPr>
@@ -7624,196 +6964,16 @@
           <a:chExt cx="0" cy="0"/>
         </a:xfrm>
       </p:grpSpPr>
-      <p:pic>
-        <p:nvPicPr>
-          <p:cNvPr id="11" name="图片 10"/>
-          <p:cNvPicPr>
-            <a:picLocks noChangeAspect="1"/>
-          </p:cNvPicPr>
-          <p:nvPr/>
-        </p:nvPicPr>
-        <p:blipFill>
-          <a:blip r:embed="rId2">
-            <a:extLst>
-              <a:ext uri="{28A0092B-C50C-407E-A947-70E740481C1C}">
-                <a14:useLocalDpi xmlns:a14="http://schemas.microsoft.com/office/drawing/2010/main" val="0"/>
-              </a:ext>
-            </a:extLst>
-          </a:blip>
-          <a:stretch>
-            <a:fillRect/>
-          </a:stretch>
-        </p:blipFill>
-        <p:spPr>
-          <a:xfrm>
-            <a:off x="326482" y="746348"/>
-            <a:ext cx="8439150" cy="4057650"/>
-          </a:xfrm>
-          <a:prstGeom prst="rect">
-            <a:avLst/>
-          </a:prstGeom>
-        </p:spPr>
-      </p:pic>
       <p:sp>
         <p:nvSpPr>
-          <p:cNvPr id="3" name="标题 2"/>
-          <p:cNvSpPr>
-            <a:spLocks noGrp="1"/>
-          </p:cNvSpPr>
-          <p:nvPr>
-            <p:ph type="title"/>
-          </p:nvPr>
-        </p:nvSpPr>
-        <p:spPr/>
-        <p:txBody>
-          <a:bodyPr/>
-          <a:lstStyle/>
-          <a:p>
-            <a:r>
-              <a:rPr lang="zh-CN" altLang="en-US" dirty="0">
-                <a:solidFill>
-                  <a:srgbClr val="CA022A"/>
-                </a:solidFill>
-              </a:rPr>
-              <a:t>产品线</a:t>
-            </a:r>
-            <a:endParaRPr lang="zh-CN" altLang="en-US" sz="2000" dirty="0"/>
-          </a:p>
-        </p:txBody>
-      </p:sp>
-      <p:sp>
-        <p:nvSpPr>
-          <p:cNvPr id="8" name="幻灯片编号占位符 3"/>
-          <p:cNvSpPr txBox="1"/>
-          <p:nvPr/>
-        </p:nvSpPr>
-        <p:spPr>
-          <a:xfrm>
-            <a:off x="8316416" y="4767263"/>
-            <a:ext cx="2133600" cy="273844"/>
-          </a:xfrm>
-          <a:prstGeom prst="rect">
-            <a:avLst/>
-          </a:prstGeom>
-        </p:spPr>
-        <p:txBody>
-          <a:bodyPr vert="horz" lIns="91440" tIns="45720" rIns="91440" bIns="45720" rtlCol="0" anchor="ctr"/>
-          <a:lstStyle>
-            <a:defPPr>
-              <a:defRPr lang="zh-CN"/>
-            </a:defPPr>
-            <a:lvl1pPr marL="0" algn="l" defTabSz="914400" rtl="0" eaLnBrk="1" latinLnBrk="0" hangingPunct="1">
-              <a:defRPr sz="1200" kern="1200">
-                <a:solidFill>
-                  <a:schemeClr val="tx1">
-                    <a:tint val="75000"/>
-                  </a:schemeClr>
-                </a:solidFill>
-                <a:latin typeface="+mn-lt"/>
-                <a:ea typeface="+mn-ea"/>
-                <a:cs typeface="+mn-cs"/>
-              </a:defRPr>
-            </a:lvl1pPr>
-            <a:lvl2pPr marL="457200" algn="l" defTabSz="914400" rtl="0" eaLnBrk="1" latinLnBrk="0" hangingPunct="1">
-              <a:defRPr sz="1800" kern="1200">
-                <a:solidFill>
-                  <a:schemeClr val="tx1"/>
-                </a:solidFill>
-                <a:latin typeface="+mn-lt"/>
-                <a:ea typeface="+mn-ea"/>
-                <a:cs typeface="+mn-cs"/>
-              </a:defRPr>
-            </a:lvl2pPr>
-            <a:lvl3pPr marL="914400" algn="l" defTabSz="914400" rtl="0" eaLnBrk="1" latinLnBrk="0" hangingPunct="1">
-              <a:defRPr sz="1800" kern="1200">
-                <a:solidFill>
-                  <a:schemeClr val="tx1"/>
-                </a:solidFill>
-                <a:latin typeface="+mn-lt"/>
-                <a:ea typeface="+mn-ea"/>
-                <a:cs typeface="+mn-cs"/>
-              </a:defRPr>
-            </a:lvl3pPr>
-            <a:lvl4pPr marL="1371600" algn="l" defTabSz="914400" rtl="0" eaLnBrk="1" latinLnBrk="0" hangingPunct="1">
-              <a:defRPr sz="1800" kern="1200">
-                <a:solidFill>
-                  <a:schemeClr val="tx1"/>
-                </a:solidFill>
-                <a:latin typeface="+mn-lt"/>
-                <a:ea typeface="+mn-ea"/>
-                <a:cs typeface="+mn-cs"/>
-              </a:defRPr>
-            </a:lvl4pPr>
-            <a:lvl5pPr marL="1828800" algn="l" defTabSz="914400" rtl="0" eaLnBrk="1" latinLnBrk="0" hangingPunct="1">
-              <a:defRPr sz="1800" kern="1200">
-                <a:solidFill>
-                  <a:schemeClr val="tx1"/>
-                </a:solidFill>
-                <a:latin typeface="+mn-lt"/>
-                <a:ea typeface="+mn-ea"/>
-                <a:cs typeface="+mn-cs"/>
-              </a:defRPr>
-            </a:lvl5pPr>
-            <a:lvl6pPr marL="2286000" algn="l" defTabSz="914400" rtl="0" eaLnBrk="1" latinLnBrk="0" hangingPunct="1">
-              <a:defRPr sz="1800" kern="1200">
-                <a:solidFill>
-                  <a:schemeClr val="tx1"/>
-                </a:solidFill>
-                <a:latin typeface="+mn-lt"/>
-                <a:ea typeface="+mn-ea"/>
-                <a:cs typeface="+mn-cs"/>
-              </a:defRPr>
-            </a:lvl6pPr>
-            <a:lvl7pPr marL="2743200" algn="l" defTabSz="914400" rtl="0" eaLnBrk="1" latinLnBrk="0" hangingPunct="1">
-              <a:defRPr sz="1800" kern="1200">
-                <a:solidFill>
-                  <a:schemeClr val="tx1"/>
-                </a:solidFill>
-                <a:latin typeface="+mn-lt"/>
-                <a:ea typeface="+mn-ea"/>
-                <a:cs typeface="+mn-cs"/>
-              </a:defRPr>
-            </a:lvl7pPr>
-            <a:lvl8pPr marL="3200400" algn="l" defTabSz="914400" rtl="0" eaLnBrk="1" latinLnBrk="0" hangingPunct="1">
-              <a:defRPr sz="1800" kern="1200">
-                <a:solidFill>
-                  <a:schemeClr val="tx1"/>
-                </a:solidFill>
-                <a:latin typeface="+mn-lt"/>
-                <a:ea typeface="+mn-ea"/>
-                <a:cs typeface="+mn-cs"/>
-              </a:defRPr>
-            </a:lvl8pPr>
-            <a:lvl9pPr marL="3657600" algn="l" defTabSz="914400" rtl="0" eaLnBrk="1" latinLnBrk="0" hangingPunct="1">
-              <a:defRPr sz="1800" kern="1200">
-                <a:solidFill>
-                  <a:schemeClr val="tx1"/>
-                </a:solidFill>
-                <a:latin typeface="+mn-lt"/>
-                <a:ea typeface="+mn-ea"/>
-                <a:cs typeface="+mn-cs"/>
-              </a:defRPr>
-            </a:lvl9pPr>
-          </a:lstStyle>
-          <a:p>
-            <a:fld id="{0C913308-F349-4B6D-A68A-DD1791B4A57B}" type="slidenum">
-              <a:rPr lang="zh-CN" altLang="en-US" smtClean="0"/>
-              <a:t>4</a:t>
-            </a:fld>
-            <a:endParaRPr lang="zh-CN" altLang="en-US" dirty="0"/>
-          </a:p>
-        </p:txBody>
-      </p:sp>
-      <p:sp>
-        <p:nvSpPr>
-          <p:cNvPr id="13" name="矩形 12"/>
+          <p:cNvPr id="9" name="矩形 8"/>
           <p:cNvSpPr/>
           <p:nvPr/>
         </p:nvSpPr>
         <p:spPr>
           <a:xfrm>
-            <a:off x="8647200" y="987574"/>
-            <a:ext cx="496800" cy="3600400"/>
+            <a:off x="0" y="1131590"/>
+            <a:ext cx="9144000" cy="3384376"/>
           </a:xfrm>
           <a:prstGeom prst="rect">
             <a:avLst/>
@@ -7864,65 +7024,318 @@
       </p:sp>
       <p:sp>
         <p:nvSpPr>
-          <p:cNvPr id="14" name="矩形 13"/>
-          <p:cNvSpPr/>
-          <p:nvPr/>
+          <p:cNvPr id="2" name="内容占位符 1"/>
+          <p:cNvSpPr>
+            <a:spLocks noGrp="1"/>
+          </p:cNvSpPr>
+          <p:nvPr>
+            <p:ph idx="1"/>
+          </p:nvPr>
         </p:nvSpPr>
         <p:spPr>
           <a:xfrm>
-            <a:off x="11200" y="987574"/>
-            <a:ext cx="301625" cy="3528392"/>
-          </a:xfrm>
-          <a:prstGeom prst="rect">
-            <a:avLst/>
-          </a:prstGeom>
-          <a:solidFill>
-            <a:schemeClr val="bg1"/>
-          </a:solidFill>
-          <a:ln>
-            <a:noFill/>
-          </a:ln>
+            <a:off x="3348000" y="1393200"/>
+            <a:ext cx="5040424" cy="2880320"/>
+          </a:xfrm>
         </p:spPr>
-        <p:style>
-          <a:lnRef idx="2">
-            <a:schemeClr val="accent1">
-              <a:shade val="50000"/>
-            </a:schemeClr>
-          </a:lnRef>
-          <a:fillRef idx="1">
-            <a:schemeClr val="accent1"/>
-          </a:fillRef>
-          <a:effectRef idx="0">
-            <a:schemeClr val="accent1"/>
-          </a:effectRef>
-          <a:fontRef idx="minor">
-            <a:schemeClr val="lt1"/>
-          </a:fontRef>
-        </p:style>
         <p:txBody>
-          <a:bodyPr rtlCol="0" anchor="ctr"/>
+          <a:bodyPr/>
           <a:lstStyle/>
           <a:p>
-            <a:pPr algn="ctr" defTabSz="914400"/>
-            <a:endParaRPr kumimoji="0" lang="zh-CN" altLang="en-US" sz="1800" b="0" i="0" u="none" strike="noStrike" kern="0" cap="none" spc="0" normalizeH="0" baseline="0" noProof="0" dirty="0">
-              <a:ln>
-                <a:noFill/>
-              </a:ln>
-              <a:solidFill>
-                <a:sysClr val="windowText" lastClr="000000"/>
-              </a:solidFill>
-              <a:effectLst/>
-              <a:uLnTx/>
-              <a:uFillTx/>
-              <a:cs typeface="+mn-ea"/>
-              <a:sym typeface="+mn-lt"/>
+            <a:pPr marL="0" indent="0">
+              <a:buNone/>
+            </a:pPr>
+            <a:r>
+              <a:rPr lang="zh-CN" altLang="en-US" dirty="0">
+                <a:latin typeface="微软雅黑" panose="020B0503020204020204" charset="-122"/>
+                <a:ea typeface="微软雅黑" panose="020B0503020204020204" charset="-122"/>
+                <a:cs typeface="微软雅黑" panose="020B0503020204020204" charset="-122"/>
+              </a:rPr>
+              <a:t>国美互联网（微软雅黑</a:t>
+            </a:r>
+            <a:r>
+              <a:rPr lang="en-US" altLang="zh-CN" dirty="0">
+                <a:latin typeface="微软雅黑" panose="020B0503020204020204" charset="-122"/>
+                <a:ea typeface="微软雅黑" panose="020B0503020204020204" charset="-122"/>
+                <a:cs typeface="微软雅黑" panose="020B0503020204020204" charset="-122"/>
+              </a:rPr>
+              <a:t>16</a:t>
+            </a:r>
+            <a:r>
+              <a:rPr lang="zh-CN" altLang="en-US" dirty="0">
+                <a:latin typeface="微软雅黑" panose="020B0503020204020204" charset="-122"/>
+                <a:ea typeface="微软雅黑" panose="020B0503020204020204" charset="-122"/>
+                <a:cs typeface="微软雅黑" panose="020B0503020204020204" charset="-122"/>
+              </a:rPr>
+              <a:t>）</a:t>
+            </a:r>
+            <a:endParaRPr lang="en-US" altLang="zh-CN" dirty="0">
+              <a:latin typeface="微软雅黑" panose="020B0503020204020204" charset="-122"/>
+              <a:ea typeface="微软雅黑" panose="020B0503020204020204" charset="-122"/>
+              <a:cs typeface="微软雅黑" panose="020B0503020204020204" charset="-122"/>
             </a:endParaRPr>
+          </a:p>
+          <a:p>
+            <a:r>
+              <a:rPr lang="zh-CN" altLang="en-US" dirty="0"/>
+              <a:t>消息输入模块</a:t>
+            </a:r>
+            <a:endParaRPr lang="zh-CN" altLang="en-US" dirty="0"/>
           </a:p>
         </p:txBody>
       </p:sp>
       <p:sp>
         <p:nvSpPr>
-          <p:cNvPr id="15" name="矩形 14"/>
+          <p:cNvPr id="3" name="标题 2"/>
+          <p:cNvSpPr>
+            <a:spLocks noGrp="1"/>
+          </p:cNvSpPr>
+          <p:nvPr>
+            <p:ph type="title"/>
+          </p:nvPr>
+        </p:nvSpPr>
+        <p:spPr/>
+        <p:txBody>
+          <a:bodyPr/>
+          <a:lstStyle/>
+          <a:p>
+            <a:r>
+              <a:rPr lang="zh-CN" altLang="en-US" dirty="0" smtClean="0">
+                <a:solidFill>
+                  <a:srgbClr val="CA022A"/>
+                </a:solidFill>
+              </a:rPr>
+              <a:t>业务模块</a:t>
+            </a:r>
+            <a:endParaRPr lang="zh-CN" altLang="en-US" sz="2000" dirty="0">
+              <a:solidFill>
+                <a:srgbClr val="CA022A"/>
+              </a:solidFill>
+            </a:endParaRPr>
+          </a:p>
+        </p:txBody>
+      </p:sp>
+      <p:grpSp>
+        <p:nvGrpSpPr>
+          <p:cNvPr id="5" name="Group 125"/>
+          <p:cNvGrpSpPr/>
+          <p:nvPr/>
+        </p:nvGrpSpPr>
+        <p:grpSpPr>
+          <a:xfrm>
+            <a:off x="467544" y="1249944"/>
+            <a:ext cx="2736304" cy="3049998"/>
+            <a:chOff x="0" y="0"/>
+            <a:chExt cx="4735530" cy="7027095"/>
+          </a:xfrm>
+        </p:grpSpPr>
+        <p:pic>
+          <p:nvPicPr>
+            <p:cNvPr id="6" name="44d2a6f01afea900b48d946b1ce4f7d4a9e6573a27ccf-9N4gSJ_fw658.jpeg"/>
+            <p:cNvPicPr>
+              <a:picLocks noChangeAspect="1"/>
+            </p:cNvPicPr>
+            <p:nvPr/>
+          </p:nvPicPr>
+          <p:blipFill>
+            <a:blip r:embed="rId1"/>
+            <a:stretch>
+              <a:fillRect/>
+            </a:stretch>
+          </p:blipFill>
+          <p:spPr>
+            <a:xfrm>
+              <a:off x="177800" y="114300"/>
+              <a:ext cx="4379931" cy="6569896"/>
+            </a:xfrm>
+            <a:prstGeom prst="rect">
+              <a:avLst/>
+            </a:prstGeom>
+            <a:ln>
+              <a:noFill/>
+            </a:ln>
+            <a:effectLst/>
+          </p:spPr>
+        </p:pic>
+        <p:pic>
+          <p:nvPicPr>
+            <p:cNvPr id="7" name="图片 6"/>
+            <p:cNvPicPr/>
+            <p:nvPr/>
+          </p:nvPicPr>
+          <p:blipFill>
+            <a:blip r:embed="rId2"/>
+            <a:stretch>
+              <a:fillRect/>
+            </a:stretch>
+          </p:blipFill>
+          <p:spPr>
+            <a:xfrm>
+              <a:off x="0" y="0"/>
+              <a:ext cx="4735531" cy="7027096"/>
+            </a:xfrm>
+            <a:prstGeom prst="rect">
+              <a:avLst/>
+            </a:prstGeom>
+            <a:effectLst/>
+          </p:spPr>
+        </p:pic>
+      </p:grpSp>
+      <p:sp>
+        <p:nvSpPr>
+          <p:cNvPr id="8" name="幻灯片编号占位符 3"/>
+          <p:cNvSpPr txBox="1"/>
+          <p:nvPr/>
+        </p:nvSpPr>
+        <p:spPr>
+          <a:xfrm>
+            <a:off x="8316416" y="4767263"/>
+            <a:ext cx="2133600" cy="273844"/>
+          </a:xfrm>
+          <a:prstGeom prst="rect">
+            <a:avLst/>
+          </a:prstGeom>
+        </p:spPr>
+        <p:txBody>
+          <a:bodyPr vert="horz" lIns="91440" tIns="45720" rIns="91440" bIns="45720" rtlCol="0" anchor="ctr"/>
+          <a:lstStyle>
+            <a:defPPr>
+              <a:defRPr lang="zh-CN"/>
+            </a:defPPr>
+            <a:lvl1pPr marL="0" algn="l" defTabSz="914400" rtl="0" eaLnBrk="1" latinLnBrk="0" hangingPunct="1">
+              <a:defRPr sz="1200" kern="1200">
+                <a:solidFill>
+                  <a:schemeClr val="tx1">
+                    <a:tint val="75000"/>
+                  </a:schemeClr>
+                </a:solidFill>
+                <a:latin typeface="+mn-lt"/>
+                <a:ea typeface="+mn-ea"/>
+                <a:cs typeface="+mn-cs"/>
+              </a:defRPr>
+            </a:lvl1pPr>
+            <a:lvl2pPr marL="457200" algn="l" defTabSz="914400" rtl="0" eaLnBrk="1" latinLnBrk="0" hangingPunct="1">
+              <a:defRPr sz="1800" kern="1200">
+                <a:solidFill>
+                  <a:schemeClr val="tx1"/>
+                </a:solidFill>
+                <a:latin typeface="+mn-lt"/>
+                <a:ea typeface="+mn-ea"/>
+                <a:cs typeface="+mn-cs"/>
+              </a:defRPr>
+            </a:lvl2pPr>
+            <a:lvl3pPr marL="914400" algn="l" defTabSz="914400" rtl="0" eaLnBrk="1" latinLnBrk="0" hangingPunct="1">
+              <a:defRPr sz="1800" kern="1200">
+                <a:solidFill>
+                  <a:schemeClr val="tx1"/>
+                </a:solidFill>
+                <a:latin typeface="+mn-lt"/>
+                <a:ea typeface="+mn-ea"/>
+                <a:cs typeface="+mn-cs"/>
+              </a:defRPr>
+            </a:lvl3pPr>
+            <a:lvl4pPr marL="1371600" algn="l" defTabSz="914400" rtl="0" eaLnBrk="1" latinLnBrk="0" hangingPunct="1">
+              <a:defRPr sz="1800" kern="1200">
+                <a:solidFill>
+                  <a:schemeClr val="tx1"/>
+                </a:solidFill>
+                <a:latin typeface="+mn-lt"/>
+                <a:ea typeface="+mn-ea"/>
+                <a:cs typeface="+mn-cs"/>
+              </a:defRPr>
+            </a:lvl4pPr>
+            <a:lvl5pPr marL="1828800" algn="l" defTabSz="914400" rtl="0" eaLnBrk="1" latinLnBrk="0" hangingPunct="1">
+              <a:defRPr sz="1800" kern="1200">
+                <a:solidFill>
+                  <a:schemeClr val="tx1"/>
+                </a:solidFill>
+                <a:latin typeface="+mn-lt"/>
+                <a:ea typeface="+mn-ea"/>
+                <a:cs typeface="+mn-cs"/>
+              </a:defRPr>
+            </a:lvl5pPr>
+            <a:lvl6pPr marL="2286000" algn="l" defTabSz="914400" rtl="0" eaLnBrk="1" latinLnBrk="0" hangingPunct="1">
+              <a:defRPr sz="1800" kern="1200">
+                <a:solidFill>
+                  <a:schemeClr val="tx1"/>
+                </a:solidFill>
+                <a:latin typeface="+mn-lt"/>
+                <a:ea typeface="+mn-ea"/>
+                <a:cs typeface="+mn-cs"/>
+              </a:defRPr>
+            </a:lvl6pPr>
+            <a:lvl7pPr marL="2743200" algn="l" defTabSz="914400" rtl="0" eaLnBrk="1" latinLnBrk="0" hangingPunct="1">
+              <a:defRPr sz="1800" kern="1200">
+                <a:solidFill>
+                  <a:schemeClr val="tx1"/>
+                </a:solidFill>
+                <a:latin typeface="+mn-lt"/>
+                <a:ea typeface="+mn-ea"/>
+                <a:cs typeface="+mn-cs"/>
+              </a:defRPr>
+            </a:lvl7pPr>
+            <a:lvl8pPr marL="3200400" algn="l" defTabSz="914400" rtl="0" eaLnBrk="1" latinLnBrk="0" hangingPunct="1">
+              <a:defRPr sz="1800" kern="1200">
+                <a:solidFill>
+                  <a:schemeClr val="tx1"/>
+                </a:solidFill>
+                <a:latin typeface="+mn-lt"/>
+                <a:ea typeface="+mn-ea"/>
+                <a:cs typeface="+mn-cs"/>
+              </a:defRPr>
+            </a:lvl8pPr>
+            <a:lvl9pPr marL="3657600" algn="l" defTabSz="914400" rtl="0" eaLnBrk="1" latinLnBrk="0" hangingPunct="1">
+              <a:defRPr sz="1800" kern="1200">
+                <a:solidFill>
+                  <a:schemeClr val="tx1"/>
+                </a:solidFill>
+                <a:latin typeface="+mn-lt"/>
+                <a:ea typeface="+mn-ea"/>
+                <a:cs typeface="+mn-cs"/>
+              </a:defRPr>
+            </a:lvl9pPr>
+          </a:lstStyle>
+          <a:p>
+            <a:fld id="{0C913308-F349-4B6D-A68A-DD1791B4A57B}" type="slidenum">
+              <a:rPr lang="zh-CN" altLang="en-US" smtClean="0"/>
+            </a:fld>
+            <a:endParaRPr lang="zh-CN" altLang="en-US" dirty="0"/>
+          </a:p>
+        </p:txBody>
+      </p:sp>
+      <p:pic>
+        <p:nvPicPr>
+          <p:cNvPr id="4" name="图片 3"/>
+          <p:cNvPicPr>
+            <a:picLocks noChangeAspect="1"/>
+          </p:cNvPicPr>
+          <p:nvPr/>
+        </p:nvPicPr>
+        <p:blipFill>
+          <a:blip r:embed="rId3">
+            <a:extLst>
+              <a:ext uri="{28A0092B-C50C-407E-A947-70E740481C1C}">
+                <a14:useLocalDpi xmlns:a14="http://schemas.microsoft.com/office/drawing/2010/main" val="0"/>
+              </a:ext>
+            </a:extLst>
+          </a:blip>
+          <a:stretch>
+            <a:fillRect/>
+          </a:stretch>
+        </p:blipFill>
+        <p:spPr>
+          <a:xfrm>
+            <a:off x="467544" y="1209488"/>
+            <a:ext cx="5819775" cy="3067050"/>
+          </a:xfrm>
+          <a:prstGeom prst="rect">
+            <a:avLst/>
+          </a:prstGeom>
+        </p:spPr>
+      </p:pic>
+      <p:sp>
+        <p:nvSpPr>
+          <p:cNvPr id="10" name="矩形 9"/>
           <p:cNvSpPr/>
           <p:nvPr/>
         </p:nvSpPr>
@@ -7967,11 +7380,6 @@
         </p:txBody>
       </p:sp>
     </p:spTree>
-    <p:extLst>
-      <p:ext uri="{BB962C8B-B14F-4D97-AF65-F5344CB8AC3E}">
-        <p14:creationId xmlns:p14="http://schemas.microsoft.com/office/powerpoint/2010/main" val="2875996746"/>
-      </p:ext>
-    </p:extLst>
   </p:cSld>
   <p:clrMapOvr>
     <a:masterClrMapping/>
@@ -8003,16 +7411,195 @@
           <a:chExt cx="0" cy="0"/>
         </a:xfrm>
       </p:grpSpPr>
+      <p:pic>
+        <p:nvPicPr>
+          <p:cNvPr id="4" name="图片 3"/>
+          <p:cNvPicPr>
+            <a:picLocks noChangeAspect="1"/>
+          </p:cNvPicPr>
+          <p:nvPr/>
+        </p:nvPicPr>
+        <p:blipFill>
+          <a:blip r:embed="rId1">
+            <a:extLst>
+              <a:ext uri="{28A0092B-C50C-407E-A947-70E740481C1C}">
+                <a14:useLocalDpi xmlns:a14="http://schemas.microsoft.com/office/drawing/2010/main" val="0"/>
+              </a:ext>
+            </a:extLst>
+          </a:blip>
+          <a:stretch>
+            <a:fillRect/>
+          </a:stretch>
+        </p:blipFill>
+        <p:spPr>
+          <a:xfrm>
+            <a:off x="251520" y="297532"/>
+            <a:ext cx="6276975" cy="4362450"/>
+          </a:xfrm>
+          <a:prstGeom prst="rect">
+            <a:avLst/>
+          </a:prstGeom>
+        </p:spPr>
+      </p:pic>
       <p:sp>
         <p:nvSpPr>
-          <p:cNvPr id="9" name="矩形 8"/>
+          <p:cNvPr id="3" name="标题 2"/>
+          <p:cNvSpPr>
+            <a:spLocks noGrp="1"/>
+          </p:cNvSpPr>
+          <p:nvPr>
+            <p:ph type="title"/>
+          </p:nvPr>
+        </p:nvSpPr>
+        <p:spPr/>
+        <p:txBody>
+          <a:bodyPr/>
+          <a:lstStyle/>
+          <a:p>
+            <a:r>
+              <a:rPr lang="zh-CN" altLang="en-US" dirty="0">
+                <a:solidFill>
+                  <a:srgbClr val="CA022A"/>
+                </a:solidFill>
+              </a:rPr>
+              <a:t>业务模块</a:t>
+            </a:r>
+            <a:endParaRPr lang="zh-CN" altLang="en-US" sz="2000" dirty="0"/>
+          </a:p>
+        </p:txBody>
+      </p:sp>
+      <p:sp>
+        <p:nvSpPr>
+          <p:cNvPr id="8" name="幻灯片编号占位符 3"/>
+          <p:cNvSpPr txBox="1"/>
+          <p:nvPr/>
+        </p:nvSpPr>
+        <p:spPr>
+          <a:xfrm>
+            <a:off x="8316416" y="4767263"/>
+            <a:ext cx="2133600" cy="273844"/>
+          </a:xfrm>
+          <a:prstGeom prst="rect">
+            <a:avLst/>
+          </a:prstGeom>
+        </p:spPr>
+        <p:txBody>
+          <a:bodyPr vert="horz" lIns="91440" tIns="45720" rIns="91440" bIns="45720" rtlCol="0" anchor="ctr"/>
+          <a:lstStyle>
+            <a:defPPr>
+              <a:defRPr lang="zh-CN"/>
+            </a:defPPr>
+            <a:lvl1pPr marL="0" algn="l" defTabSz="914400" rtl="0" eaLnBrk="1" latinLnBrk="0" hangingPunct="1">
+              <a:defRPr sz="1200" kern="1200">
+                <a:solidFill>
+                  <a:schemeClr val="tx1">
+                    <a:tint val="75000"/>
+                  </a:schemeClr>
+                </a:solidFill>
+                <a:latin typeface="+mn-lt"/>
+                <a:ea typeface="+mn-ea"/>
+                <a:cs typeface="+mn-cs"/>
+              </a:defRPr>
+            </a:lvl1pPr>
+            <a:lvl2pPr marL="457200" algn="l" defTabSz="914400" rtl="0" eaLnBrk="1" latinLnBrk="0" hangingPunct="1">
+              <a:defRPr sz="1800" kern="1200">
+                <a:solidFill>
+                  <a:schemeClr val="tx1"/>
+                </a:solidFill>
+                <a:latin typeface="+mn-lt"/>
+                <a:ea typeface="+mn-ea"/>
+                <a:cs typeface="+mn-cs"/>
+              </a:defRPr>
+            </a:lvl2pPr>
+            <a:lvl3pPr marL="914400" algn="l" defTabSz="914400" rtl="0" eaLnBrk="1" latinLnBrk="0" hangingPunct="1">
+              <a:defRPr sz="1800" kern="1200">
+                <a:solidFill>
+                  <a:schemeClr val="tx1"/>
+                </a:solidFill>
+                <a:latin typeface="+mn-lt"/>
+                <a:ea typeface="+mn-ea"/>
+                <a:cs typeface="+mn-cs"/>
+              </a:defRPr>
+            </a:lvl3pPr>
+            <a:lvl4pPr marL="1371600" algn="l" defTabSz="914400" rtl="0" eaLnBrk="1" latinLnBrk="0" hangingPunct="1">
+              <a:defRPr sz="1800" kern="1200">
+                <a:solidFill>
+                  <a:schemeClr val="tx1"/>
+                </a:solidFill>
+                <a:latin typeface="+mn-lt"/>
+                <a:ea typeface="+mn-ea"/>
+                <a:cs typeface="+mn-cs"/>
+              </a:defRPr>
+            </a:lvl4pPr>
+            <a:lvl5pPr marL="1828800" algn="l" defTabSz="914400" rtl="0" eaLnBrk="1" latinLnBrk="0" hangingPunct="1">
+              <a:defRPr sz="1800" kern="1200">
+                <a:solidFill>
+                  <a:schemeClr val="tx1"/>
+                </a:solidFill>
+                <a:latin typeface="+mn-lt"/>
+                <a:ea typeface="+mn-ea"/>
+                <a:cs typeface="+mn-cs"/>
+              </a:defRPr>
+            </a:lvl5pPr>
+            <a:lvl6pPr marL="2286000" algn="l" defTabSz="914400" rtl="0" eaLnBrk="1" latinLnBrk="0" hangingPunct="1">
+              <a:defRPr sz="1800" kern="1200">
+                <a:solidFill>
+                  <a:schemeClr val="tx1"/>
+                </a:solidFill>
+                <a:latin typeface="+mn-lt"/>
+                <a:ea typeface="+mn-ea"/>
+                <a:cs typeface="+mn-cs"/>
+              </a:defRPr>
+            </a:lvl6pPr>
+            <a:lvl7pPr marL="2743200" algn="l" defTabSz="914400" rtl="0" eaLnBrk="1" latinLnBrk="0" hangingPunct="1">
+              <a:defRPr sz="1800" kern="1200">
+                <a:solidFill>
+                  <a:schemeClr val="tx1"/>
+                </a:solidFill>
+                <a:latin typeface="+mn-lt"/>
+                <a:ea typeface="+mn-ea"/>
+                <a:cs typeface="+mn-cs"/>
+              </a:defRPr>
+            </a:lvl7pPr>
+            <a:lvl8pPr marL="3200400" algn="l" defTabSz="914400" rtl="0" eaLnBrk="1" latinLnBrk="0" hangingPunct="1">
+              <a:defRPr sz="1800" kern="1200">
+                <a:solidFill>
+                  <a:schemeClr val="tx1"/>
+                </a:solidFill>
+                <a:latin typeface="+mn-lt"/>
+                <a:ea typeface="+mn-ea"/>
+                <a:cs typeface="+mn-cs"/>
+              </a:defRPr>
+            </a:lvl8pPr>
+            <a:lvl9pPr marL="3657600" algn="l" defTabSz="914400" rtl="0" eaLnBrk="1" latinLnBrk="0" hangingPunct="1">
+              <a:defRPr sz="1800" kern="1200">
+                <a:solidFill>
+                  <a:schemeClr val="tx1"/>
+                </a:solidFill>
+                <a:latin typeface="+mn-lt"/>
+                <a:ea typeface="+mn-ea"/>
+                <a:cs typeface="+mn-cs"/>
+              </a:defRPr>
+            </a:lvl9pPr>
+          </a:lstStyle>
+          <a:p>
+            <a:fld id="{0C913308-F349-4B6D-A68A-DD1791B4A57B}" type="slidenum">
+              <a:rPr lang="zh-CN" altLang="en-US" smtClean="0"/>
+            </a:fld>
+            <a:endParaRPr lang="zh-CN" altLang="en-US" dirty="0"/>
+          </a:p>
+        </p:txBody>
+      </p:sp>
+      <p:sp>
+        <p:nvSpPr>
+          <p:cNvPr id="10" name="矩形 9"/>
           <p:cNvSpPr/>
           <p:nvPr/>
         </p:nvSpPr>
         <p:spPr>
           <a:xfrm>
-            <a:off x="0" y="1131590"/>
-            <a:ext cx="9144000" cy="3384376"/>
+            <a:off x="6444208" y="1087650"/>
+            <a:ext cx="2699792" cy="3500324"/>
           </a:xfrm>
           <a:prstGeom prst="rect">
             <a:avLst/>
@@ -8063,318 +7650,65 @@
       </p:sp>
       <p:sp>
         <p:nvSpPr>
-          <p:cNvPr id="2" name="内容占位符 1"/>
-          <p:cNvSpPr>
-            <a:spLocks noGrp="1"/>
-          </p:cNvSpPr>
-          <p:nvPr>
-            <p:ph idx="1"/>
-          </p:nvPr>
+          <p:cNvPr id="11" name="矩形 10"/>
+          <p:cNvSpPr/>
+          <p:nvPr/>
         </p:nvSpPr>
         <p:spPr>
           <a:xfrm>
-            <a:off x="3348000" y="1393200"/>
-            <a:ext cx="5040424" cy="2880320"/>
-          </a:xfrm>
+            <a:off x="7122" y="1087650"/>
+            <a:ext cx="244398" cy="3500324"/>
+          </a:xfrm>
+          <a:prstGeom prst="rect">
+            <a:avLst/>
+          </a:prstGeom>
+          <a:solidFill>
+            <a:schemeClr val="bg1"/>
+          </a:solidFill>
+          <a:ln>
+            <a:noFill/>
+          </a:ln>
         </p:spPr>
+        <p:style>
+          <a:lnRef idx="2">
+            <a:schemeClr val="accent1">
+              <a:shade val="50000"/>
+            </a:schemeClr>
+          </a:lnRef>
+          <a:fillRef idx="1">
+            <a:schemeClr val="accent1"/>
+          </a:fillRef>
+          <a:effectRef idx="0">
+            <a:schemeClr val="accent1"/>
+          </a:effectRef>
+          <a:fontRef idx="minor">
+            <a:schemeClr val="lt1"/>
+          </a:fontRef>
+        </p:style>
         <p:txBody>
-          <a:bodyPr/>
+          <a:bodyPr rtlCol="0" anchor="ctr"/>
           <a:lstStyle/>
           <a:p>
-            <a:pPr marL="0" indent="0">
-              <a:buNone/>
-            </a:pPr>
-            <a:r>
-              <a:rPr lang="zh-CN" altLang="en-US" dirty="0">
-                <a:latin typeface="微软雅黑" panose="020B0503020204020204" charset="-122"/>
-                <a:ea typeface="微软雅黑" panose="020B0503020204020204" charset="-122"/>
-                <a:cs typeface="微软雅黑" panose="020B0503020204020204" charset="-122"/>
-              </a:rPr>
-              <a:t>国美互联网（微软雅黑</a:t>
-            </a:r>
-            <a:r>
-              <a:rPr lang="en-US" altLang="zh-CN" dirty="0">
-                <a:latin typeface="微软雅黑" panose="020B0503020204020204" charset="-122"/>
-                <a:ea typeface="微软雅黑" panose="020B0503020204020204" charset="-122"/>
-                <a:cs typeface="微软雅黑" panose="020B0503020204020204" charset="-122"/>
-              </a:rPr>
-              <a:t>16</a:t>
-            </a:r>
-            <a:r>
-              <a:rPr lang="zh-CN" altLang="en-US" dirty="0">
-                <a:latin typeface="微软雅黑" panose="020B0503020204020204" charset="-122"/>
-                <a:ea typeface="微软雅黑" panose="020B0503020204020204" charset="-122"/>
-                <a:cs typeface="微软雅黑" panose="020B0503020204020204" charset="-122"/>
-              </a:rPr>
-              <a:t>）</a:t>
-            </a:r>
-            <a:endParaRPr lang="en-US" altLang="zh-CN" dirty="0">
-              <a:latin typeface="微软雅黑" panose="020B0503020204020204" charset="-122"/>
-              <a:ea typeface="微软雅黑" panose="020B0503020204020204" charset="-122"/>
-              <a:cs typeface="微软雅黑" panose="020B0503020204020204" charset="-122"/>
+            <a:pPr algn="ctr" defTabSz="914400"/>
+            <a:endParaRPr kumimoji="0" lang="zh-CN" altLang="en-US" sz="1800" b="0" i="0" u="none" strike="noStrike" kern="0" cap="none" spc="0" normalizeH="0" baseline="0" noProof="0" dirty="0">
+              <a:ln>
+                <a:noFill/>
+              </a:ln>
+              <a:solidFill>
+                <a:sysClr val="windowText" lastClr="000000"/>
+              </a:solidFill>
+              <a:effectLst/>
+              <a:uLnTx/>
+              <a:uFillTx/>
+              <a:cs typeface="+mn-ea"/>
+              <a:sym typeface="+mn-lt"/>
             </a:endParaRPr>
-          </a:p>
-          <a:p>
-            <a:r>
-              <a:rPr lang="zh-CN" altLang="en-US" dirty="0"/>
-              <a:t>消息输入模块</a:t>
-            </a:r>
           </a:p>
         </p:txBody>
       </p:sp>
       <p:sp>
         <p:nvSpPr>
-          <p:cNvPr id="3" name="标题 2"/>
-          <p:cNvSpPr>
-            <a:spLocks noGrp="1"/>
-          </p:cNvSpPr>
-          <p:nvPr>
-            <p:ph type="title"/>
-          </p:nvPr>
-        </p:nvSpPr>
-        <p:spPr/>
-        <p:txBody>
-          <a:bodyPr/>
-          <a:lstStyle/>
-          <a:p>
-            <a:r>
-              <a:rPr lang="zh-CN" altLang="en-US" dirty="0" smtClean="0">
-                <a:solidFill>
-                  <a:srgbClr val="CA022A"/>
-                </a:solidFill>
-              </a:rPr>
-              <a:t>业务模块</a:t>
-            </a:r>
-            <a:endParaRPr lang="zh-CN" altLang="en-US" sz="2000" dirty="0">
-              <a:solidFill>
-                <a:srgbClr val="CA022A"/>
-              </a:solidFill>
-            </a:endParaRPr>
-          </a:p>
-        </p:txBody>
-      </p:sp>
-      <p:grpSp>
-        <p:nvGrpSpPr>
-          <p:cNvPr id="5" name="Group 125"/>
-          <p:cNvGrpSpPr/>
-          <p:nvPr/>
-        </p:nvGrpSpPr>
-        <p:grpSpPr>
-          <a:xfrm>
-            <a:off x="467544" y="1249944"/>
-            <a:ext cx="2736304" cy="3049998"/>
-            <a:chOff x="0" y="0"/>
-            <a:chExt cx="4735530" cy="7027095"/>
-          </a:xfrm>
-        </p:grpSpPr>
-        <p:pic>
-          <p:nvPicPr>
-            <p:cNvPr id="6" name="44d2a6f01afea900b48d946b1ce4f7d4a9e6573a27ccf-9N4gSJ_fw658.jpeg"/>
-            <p:cNvPicPr>
-              <a:picLocks noChangeAspect="1"/>
-            </p:cNvPicPr>
-            <p:nvPr/>
-          </p:nvPicPr>
-          <p:blipFill>
-            <a:blip r:embed="rId2"/>
-            <a:stretch>
-              <a:fillRect/>
-            </a:stretch>
-          </p:blipFill>
-          <p:spPr>
-            <a:xfrm>
-              <a:off x="177800" y="114300"/>
-              <a:ext cx="4379931" cy="6569896"/>
-            </a:xfrm>
-            <a:prstGeom prst="rect">
-              <a:avLst/>
-            </a:prstGeom>
-            <a:ln>
-              <a:noFill/>
-            </a:ln>
-            <a:effectLst/>
-          </p:spPr>
-        </p:pic>
-        <p:pic>
-          <p:nvPicPr>
-            <p:cNvPr id="7" name="图片 6"/>
-            <p:cNvPicPr/>
-            <p:nvPr/>
-          </p:nvPicPr>
-          <p:blipFill>
-            <a:blip r:embed="rId3"/>
-            <a:stretch>
-              <a:fillRect/>
-            </a:stretch>
-          </p:blipFill>
-          <p:spPr>
-            <a:xfrm>
-              <a:off x="0" y="0"/>
-              <a:ext cx="4735531" cy="7027096"/>
-            </a:xfrm>
-            <a:prstGeom prst="rect">
-              <a:avLst/>
-            </a:prstGeom>
-            <a:effectLst/>
-          </p:spPr>
-        </p:pic>
-      </p:grpSp>
-      <p:sp>
-        <p:nvSpPr>
-          <p:cNvPr id="8" name="幻灯片编号占位符 3"/>
-          <p:cNvSpPr txBox="1"/>
-          <p:nvPr/>
-        </p:nvSpPr>
-        <p:spPr>
-          <a:xfrm>
-            <a:off x="8316416" y="4767263"/>
-            <a:ext cx="2133600" cy="273844"/>
-          </a:xfrm>
-          <a:prstGeom prst="rect">
-            <a:avLst/>
-          </a:prstGeom>
-        </p:spPr>
-        <p:txBody>
-          <a:bodyPr vert="horz" lIns="91440" tIns="45720" rIns="91440" bIns="45720" rtlCol="0" anchor="ctr"/>
-          <a:lstStyle>
-            <a:defPPr>
-              <a:defRPr lang="zh-CN"/>
-            </a:defPPr>
-            <a:lvl1pPr marL="0" algn="l" defTabSz="914400" rtl="0" eaLnBrk="1" latinLnBrk="0" hangingPunct="1">
-              <a:defRPr sz="1200" kern="1200">
-                <a:solidFill>
-                  <a:schemeClr val="tx1">
-                    <a:tint val="75000"/>
-                  </a:schemeClr>
-                </a:solidFill>
-                <a:latin typeface="+mn-lt"/>
-                <a:ea typeface="+mn-ea"/>
-                <a:cs typeface="+mn-cs"/>
-              </a:defRPr>
-            </a:lvl1pPr>
-            <a:lvl2pPr marL="457200" algn="l" defTabSz="914400" rtl="0" eaLnBrk="1" latinLnBrk="0" hangingPunct="1">
-              <a:defRPr sz="1800" kern="1200">
-                <a:solidFill>
-                  <a:schemeClr val="tx1"/>
-                </a:solidFill>
-                <a:latin typeface="+mn-lt"/>
-                <a:ea typeface="+mn-ea"/>
-                <a:cs typeface="+mn-cs"/>
-              </a:defRPr>
-            </a:lvl2pPr>
-            <a:lvl3pPr marL="914400" algn="l" defTabSz="914400" rtl="0" eaLnBrk="1" latinLnBrk="0" hangingPunct="1">
-              <a:defRPr sz="1800" kern="1200">
-                <a:solidFill>
-                  <a:schemeClr val="tx1"/>
-                </a:solidFill>
-                <a:latin typeface="+mn-lt"/>
-                <a:ea typeface="+mn-ea"/>
-                <a:cs typeface="+mn-cs"/>
-              </a:defRPr>
-            </a:lvl3pPr>
-            <a:lvl4pPr marL="1371600" algn="l" defTabSz="914400" rtl="0" eaLnBrk="1" latinLnBrk="0" hangingPunct="1">
-              <a:defRPr sz="1800" kern="1200">
-                <a:solidFill>
-                  <a:schemeClr val="tx1"/>
-                </a:solidFill>
-                <a:latin typeface="+mn-lt"/>
-                <a:ea typeface="+mn-ea"/>
-                <a:cs typeface="+mn-cs"/>
-              </a:defRPr>
-            </a:lvl4pPr>
-            <a:lvl5pPr marL="1828800" algn="l" defTabSz="914400" rtl="0" eaLnBrk="1" latinLnBrk="0" hangingPunct="1">
-              <a:defRPr sz="1800" kern="1200">
-                <a:solidFill>
-                  <a:schemeClr val="tx1"/>
-                </a:solidFill>
-                <a:latin typeface="+mn-lt"/>
-                <a:ea typeface="+mn-ea"/>
-                <a:cs typeface="+mn-cs"/>
-              </a:defRPr>
-            </a:lvl5pPr>
-            <a:lvl6pPr marL="2286000" algn="l" defTabSz="914400" rtl="0" eaLnBrk="1" latinLnBrk="0" hangingPunct="1">
-              <a:defRPr sz="1800" kern="1200">
-                <a:solidFill>
-                  <a:schemeClr val="tx1"/>
-                </a:solidFill>
-                <a:latin typeface="+mn-lt"/>
-                <a:ea typeface="+mn-ea"/>
-                <a:cs typeface="+mn-cs"/>
-              </a:defRPr>
-            </a:lvl6pPr>
-            <a:lvl7pPr marL="2743200" algn="l" defTabSz="914400" rtl="0" eaLnBrk="1" latinLnBrk="0" hangingPunct="1">
-              <a:defRPr sz="1800" kern="1200">
-                <a:solidFill>
-                  <a:schemeClr val="tx1"/>
-                </a:solidFill>
-                <a:latin typeface="+mn-lt"/>
-                <a:ea typeface="+mn-ea"/>
-                <a:cs typeface="+mn-cs"/>
-              </a:defRPr>
-            </a:lvl7pPr>
-            <a:lvl8pPr marL="3200400" algn="l" defTabSz="914400" rtl="0" eaLnBrk="1" latinLnBrk="0" hangingPunct="1">
-              <a:defRPr sz="1800" kern="1200">
-                <a:solidFill>
-                  <a:schemeClr val="tx1"/>
-                </a:solidFill>
-                <a:latin typeface="+mn-lt"/>
-                <a:ea typeface="+mn-ea"/>
-                <a:cs typeface="+mn-cs"/>
-              </a:defRPr>
-            </a:lvl8pPr>
-            <a:lvl9pPr marL="3657600" algn="l" defTabSz="914400" rtl="0" eaLnBrk="1" latinLnBrk="0" hangingPunct="1">
-              <a:defRPr sz="1800" kern="1200">
-                <a:solidFill>
-                  <a:schemeClr val="tx1"/>
-                </a:solidFill>
-                <a:latin typeface="+mn-lt"/>
-                <a:ea typeface="+mn-ea"/>
-                <a:cs typeface="+mn-cs"/>
-              </a:defRPr>
-            </a:lvl9pPr>
-          </a:lstStyle>
-          <a:p>
-            <a:fld id="{0C913308-F349-4B6D-A68A-DD1791B4A57B}" type="slidenum">
-              <a:rPr lang="zh-CN" altLang="en-US" smtClean="0"/>
-              <a:t>5</a:t>
-            </a:fld>
-            <a:endParaRPr lang="zh-CN" altLang="en-US" dirty="0"/>
-          </a:p>
-        </p:txBody>
-      </p:sp>
-      <p:pic>
-        <p:nvPicPr>
-          <p:cNvPr id="4" name="图片 3"/>
-          <p:cNvPicPr>
-            <a:picLocks noChangeAspect="1"/>
-          </p:cNvPicPr>
-          <p:nvPr/>
-        </p:nvPicPr>
-        <p:blipFill>
-          <a:blip r:embed="rId4">
-            <a:extLst>
-              <a:ext uri="{28A0092B-C50C-407E-A947-70E740481C1C}">
-                <a14:useLocalDpi xmlns:a14="http://schemas.microsoft.com/office/drawing/2010/main" val="0"/>
-              </a:ext>
-            </a:extLst>
-          </a:blip>
-          <a:stretch>
-            <a:fillRect/>
-          </a:stretch>
-        </p:blipFill>
-        <p:spPr>
-          <a:xfrm>
-            <a:off x="467544" y="1209488"/>
-            <a:ext cx="5819775" cy="3067050"/>
-          </a:xfrm>
-          <a:prstGeom prst="rect">
-            <a:avLst/>
-          </a:prstGeom>
-        </p:spPr>
-      </p:pic>
-      <p:sp>
-        <p:nvSpPr>
-          <p:cNvPr id="10" name="矩形 9"/>
+          <p:cNvPr id="12" name="矩形 11"/>
           <p:cNvSpPr/>
           <p:nvPr/>
         </p:nvSpPr>
@@ -8459,7 +7793,7 @@
           <p:nvPr/>
         </p:nvPicPr>
         <p:blipFill>
-          <a:blip r:embed="rId2">
+          <a:blip r:embed="rId1">
             <a:extLst>
               <a:ext uri="{28A0092B-C50C-407E-A947-70E740481C1C}">
                 <a14:useLocalDpi xmlns:a14="http://schemas.microsoft.com/office/drawing/2010/main" val="0"/>
@@ -8472,14 +7806,60 @@
         </p:blipFill>
         <p:spPr>
           <a:xfrm>
-            <a:off x="251520" y="297532"/>
-            <a:ext cx="6276975" cy="4362450"/>
+            <a:off x="0" y="1010740"/>
+            <a:ext cx="9144000" cy="3513360"/>
           </a:xfrm>
           <a:prstGeom prst="rect">
             <a:avLst/>
           </a:prstGeom>
         </p:spPr>
       </p:pic>
+      <p:sp>
+        <p:nvSpPr>
+          <p:cNvPr id="2" name="内容占位符 1"/>
+          <p:cNvSpPr>
+            <a:spLocks noGrp="1"/>
+          </p:cNvSpPr>
+          <p:nvPr>
+            <p:ph idx="1"/>
+          </p:nvPr>
+        </p:nvSpPr>
+        <p:spPr>
+          <a:xfrm>
+            <a:off x="6623788" y="3464025"/>
+            <a:ext cx="5040424" cy="2880320"/>
+          </a:xfrm>
+        </p:spPr>
+        <p:txBody>
+          <a:bodyPr/>
+          <a:lstStyle/>
+          <a:p>
+            <a:r>
+              <a:rPr lang="zh-CN" altLang="en-US" dirty="0" smtClean="0"/>
+              <a:t>办公场景</a:t>
+            </a:r>
+            <a:endParaRPr lang="en-US" altLang="zh-CN" dirty="0" smtClean="0"/>
+          </a:p>
+          <a:p>
+            <a:r>
+              <a:rPr lang="zh-CN" altLang="en-US" dirty="0" smtClean="0"/>
+              <a:t>文档标准化</a:t>
+            </a:r>
+            <a:endParaRPr lang="en-US" altLang="zh-CN" dirty="0" smtClean="0"/>
+          </a:p>
+          <a:p>
+            <a:r>
+              <a:rPr lang="zh-CN" altLang="en-US" dirty="0" smtClean="0"/>
+              <a:t>良好的代码设</a:t>
+            </a:r>
+            <a:r>
+              <a:rPr lang="zh-CN" altLang="en-US" dirty="0"/>
+              <a:t>计</a:t>
+            </a:r>
+            <a:endParaRPr lang="zh-CN" altLang="en-US" dirty="0"/>
+          </a:p>
+        </p:txBody>
+      </p:sp>
       <p:sp>
         <p:nvSpPr>
           <p:cNvPr id="3" name="标题 2"/>
@@ -8501,7 +7881,31 @@
                   <a:srgbClr val="CA022A"/>
                 </a:solidFill>
               </a:rPr>
-              <a:t>业务模块</a:t>
+              <a:t>项</a:t>
+            </a:r>
+            <a:r>
+              <a:rPr lang="zh-CN" altLang="en-US" dirty="0" smtClean="0">
+                <a:solidFill>
+                  <a:srgbClr val="CA022A"/>
+                </a:solidFill>
+              </a:rPr>
+              <a:t>目见解</a:t>
+            </a:r>
+            <a:r>
+              <a:rPr lang="en-US" altLang="zh-CN" dirty="0" smtClean="0">
+                <a:solidFill>
+                  <a:srgbClr val="CA022A"/>
+                </a:solidFill>
+              </a:rPr>
+              <a:t>&amp;</a:t>
+            </a:r>
+            <a:r>
+              <a:rPr lang="zh-CN" altLang="en-US" dirty="0" smtClean="0">
+                <a:solidFill>
+                  <a:srgbClr val="CA022A"/>
+                </a:solidFill>
+              </a:rPr>
+              <a:t>展望</a:t>
             </a:r>
             <a:endParaRPr lang="zh-CN" altLang="en-US" sz="2000" dirty="0"/>
           </a:p>
@@ -8624,7 +8028,6 @@
           <a:p>
             <a:fld id="{0C913308-F349-4B6D-A68A-DD1791B4A57B}" type="slidenum">
               <a:rPr lang="zh-CN" altLang="en-US" smtClean="0"/>
-              <a:t>6</a:t>
             </a:fld>
             <a:endParaRPr lang="zh-CN" altLang="en-US" dirty="0"/>
           </a:p>
@@ -8632,123 +8035,7 @@
       </p:sp>
       <p:sp>
         <p:nvSpPr>
-          <p:cNvPr id="10" name="矩形 9"/>
-          <p:cNvSpPr/>
-          <p:nvPr/>
-        </p:nvSpPr>
-        <p:spPr>
-          <a:xfrm>
-            <a:off x="6444208" y="1087650"/>
-            <a:ext cx="2699792" cy="3500324"/>
-          </a:xfrm>
-          <a:prstGeom prst="rect">
-            <a:avLst/>
-          </a:prstGeom>
-          <a:solidFill>
-            <a:schemeClr val="bg1"/>
-          </a:solidFill>
-          <a:ln>
-            <a:noFill/>
-          </a:ln>
-        </p:spPr>
-        <p:style>
-          <a:lnRef idx="2">
-            <a:schemeClr val="accent1">
-              <a:shade val="50000"/>
-            </a:schemeClr>
-          </a:lnRef>
-          <a:fillRef idx="1">
-            <a:schemeClr val="accent1"/>
-          </a:fillRef>
-          <a:effectRef idx="0">
-            <a:schemeClr val="accent1"/>
-          </a:effectRef>
-          <a:fontRef idx="minor">
-            <a:schemeClr val="lt1"/>
-          </a:fontRef>
-        </p:style>
-        <p:txBody>
-          <a:bodyPr rtlCol="0" anchor="ctr"/>
-          <a:lstStyle/>
-          <a:p>
-            <a:pPr algn="ctr" defTabSz="914400"/>
-            <a:endParaRPr kumimoji="0" lang="zh-CN" altLang="en-US" sz="1800" b="0" i="0" u="none" strike="noStrike" kern="0" cap="none" spc="0" normalizeH="0" baseline="0" noProof="0" dirty="0">
-              <a:ln>
-                <a:noFill/>
-              </a:ln>
-              <a:solidFill>
-                <a:sysClr val="windowText" lastClr="000000"/>
-              </a:solidFill>
-              <a:effectLst/>
-              <a:uLnTx/>
-              <a:uFillTx/>
-              <a:cs typeface="+mn-ea"/>
-              <a:sym typeface="+mn-lt"/>
-            </a:endParaRPr>
-          </a:p>
-        </p:txBody>
-      </p:sp>
-      <p:sp>
-        <p:nvSpPr>
-          <p:cNvPr id="11" name="矩形 10"/>
-          <p:cNvSpPr/>
-          <p:nvPr/>
-        </p:nvSpPr>
-        <p:spPr>
-          <a:xfrm>
-            <a:off x="7122" y="1087650"/>
-            <a:ext cx="244398" cy="3500324"/>
-          </a:xfrm>
-          <a:prstGeom prst="rect">
-            <a:avLst/>
-          </a:prstGeom>
-          <a:solidFill>
-            <a:schemeClr val="bg1"/>
-          </a:solidFill>
-          <a:ln>
-            <a:noFill/>
-          </a:ln>
-        </p:spPr>
-        <p:style>
-          <a:lnRef idx="2">
-            <a:schemeClr val="accent1">
-              <a:shade val="50000"/>
-            </a:schemeClr>
-          </a:lnRef>
-          <a:fillRef idx="1">
-            <a:schemeClr val="accent1"/>
-          </a:fillRef>
-          <a:effectRef idx="0">
-            <a:schemeClr val="accent1"/>
-          </a:effectRef>
-          <a:fontRef idx="minor">
-            <a:schemeClr val="lt1"/>
-          </a:fontRef>
-        </p:style>
-        <p:txBody>
-          <a:bodyPr rtlCol="0" anchor="ctr"/>
-          <a:lstStyle/>
-          <a:p>
-            <a:pPr algn="ctr" defTabSz="914400"/>
-            <a:endParaRPr kumimoji="0" lang="zh-CN" altLang="en-US" sz="1800" b="0" i="0" u="none" strike="noStrike" kern="0" cap="none" spc="0" normalizeH="0" baseline="0" noProof="0" dirty="0">
-              <a:ln>
-                <a:noFill/>
-              </a:ln>
-              <a:solidFill>
-                <a:sysClr val="windowText" lastClr="000000"/>
-              </a:solidFill>
-              <a:effectLst/>
-              <a:uLnTx/>
-              <a:uFillTx/>
-              <a:cs typeface="+mn-ea"/>
-              <a:sym typeface="+mn-lt"/>
-            </a:endParaRPr>
-          </a:p>
-        </p:txBody>
-      </p:sp>
-      <p:sp>
-        <p:nvSpPr>
-          <p:cNvPr id="12" name="矩形 11"/>
+          <p:cNvPr id="9" name="矩形 8"/>
           <p:cNvSpPr/>
           <p:nvPr/>
         </p:nvSpPr>
@@ -8824,79 +8111,6 @@
           <a:chExt cx="0" cy="0"/>
         </a:xfrm>
       </p:grpSpPr>
-      <p:pic>
-        <p:nvPicPr>
-          <p:cNvPr id="11" name="图片 10"/>
-          <p:cNvPicPr>
-            <a:picLocks noChangeAspect="1"/>
-          </p:cNvPicPr>
-          <p:nvPr/>
-        </p:nvPicPr>
-        <p:blipFill>
-          <a:blip r:embed="rId3">
-            <a:extLst>
-              <a:ext uri="{28A0092B-C50C-407E-A947-70E740481C1C}">
-                <a14:useLocalDpi xmlns:a14="http://schemas.microsoft.com/office/drawing/2010/main" val="0"/>
-              </a:ext>
-            </a:extLst>
-          </a:blip>
-          <a:stretch>
-            <a:fillRect/>
-          </a:stretch>
-        </p:blipFill>
-        <p:spPr>
-          <a:xfrm>
-            <a:off x="23462" y="50811"/>
-            <a:ext cx="6613071" cy="5143500"/>
-          </a:xfrm>
-          <a:prstGeom prst="rect">
-            <a:avLst/>
-          </a:prstGeom>
-        </p:spPr>
-      </p:pic>
-      <p:sp>
-        <p:nvSpPr>
-          <p:cNvPr id="2" name="内容占位符 1"/>
-          <p:cNvSpPr>
-            <a:spLocks noGrp="1"/>
-          </p:cNvSpPr>
-          <p:nvPr>
-            <p:ph idx="1"/>
-          </p:nvPr>
-        </p:nvSpPr>
-        <p:spPr>
-          <a:xfrm>
-            <a:off x="6732240" y="2314650"/>
-            <a:ext cx="5040424" cy="2880320"/>
-          </a:xfrm>
-        </p:spPr>
-        <p:txBody>
-          <a:bodyPr/>
-          <a:lstStyle/>
-          <a:p>
-            <a:r>
-              <a:rPr lang="zh-CN" altLang="en-US" dirty="0" smtClean="0"/>
-              <a:t>无</a:t>
-            </a:r>
-            <a:r>
-              <a:rPr lang="zh-CN" altLang="en-US" dirty="0"/>
-              <a:t>限可能</a:t>
-            </a:r>
-          </a:p>
-          <a:p>
-            <a:r>
-              <a:rPr lang="zh-CN" altLang="en-US" dirty="0"/>
-              <a:t>性能提升</a:t>
-            </a:r>
-          </a:p>
-          <a:p>
-            <a:r>
-              <a:rPr lang="zh-CN" altLang="en-US" dirty="0"/>
-              <a:t>高内聚，松耦合设计</a:t>
-            </a:r>
-          </a:p>
-        </p:txBody>
-      </p:sp>
       <p:sp>
         <p:nvSpPr>
           <p:cNvPr id="3" name="标题 2"/>
@@ -8918,7 +8132,7 @@
                   <a:srgbClr val="CA022A"/>
                 </a:solidFill>
               </a:rPr>
-              <a:t>项</a:t>
+              <a:t>技</a:t>
             </a:r>
             <a:r>
               <a:rPr lang="zh-CN" altLang="en-US" dirty="0" smtClean="0">
@@ -8926,23 +8140,7 @@
                   <a:srgbClr val="CA022A"/>
                 </a:solidFill>
               </a:rPr>
-              <a:t>目见解</a:t>
-            </a:r>
-            <a:r>
-              <a:rPr lang="en-US" altLang="zh-CN" dirty="0" smtClean="0">
-                <a:solidFill>
-                  <a:srgbClr val="CA022A"/>
-                </a:solidFill>
-              </a:rPr>
-              <a:t>&amp;</a:t>
-            </a:r>
-            <a:r>
-              <a:rPr lang="zh-CN" altLang="en-US" dirty="0" smtClean="0">
-                <a:solidFill>
-                  <a:srgbClr val="CA022A"/>
-                </a:solidFill>
-              </a:rPr>
-              <a:t>展望</a:t>
+              <a:t>术介绍</a:t>
             </a:r>
             <a:endParaRPr lang="zh-CN" altLang="en-US" sz="2000" dirty="0"/>
           </a:p>
@@ -9065,7 +8263,6 @@
           <a:p>
             <a:fld id="{0C913308-F349-4B6D-A68A-DD1791B4A57B}" type="slidenum">
               <a:rPr lang="zh-CN" altLang="en-US" smtClean="0"/>
-              <a:t>7</a:t>
             </a:fld>
             <a:endParaRPr lang="zh-CN" altLang="en-US" dirty="0"/>
           </a:p>
@@ -9073,65 +8270,7 @@
       </p:sp>
       <p:sp>
         <p:nvSpPr>
-          <p:cNvPr id="10" name="矩形 9"/>
-          <p:cNvSpPr/>
-          <p:nvPr/>
-        </p:nvSpPr>
-        <p:spPr>
-          <a:xfrm>
-            <a:off x="0" y="1131590"/>
-            <a:ext cx="739882" cy="3384376"/>
-          </a:xfrm>
-          <a:prstGeom prst="rect">
-            <a:avLst/>
-          </a:prstGeom>
-          <a:solidFill>
-            <a:schemeClr val="bg1"/>
-          </a:solidFill>
-          <a:ln>
-            <a:noFill/>
-          </a:ln>
-        </p:spPr>
-        <p:style>
-          <a:lnRef idx="2">
-            <a:schemeClr val="accent1">
-              <a:shade val="50000"/>
-            </a:schemeClr>
-          </a:lnRef>
-          <a:fillRef idx="1">
-            <a:schemeClr val="accent1"/>
-          </a:fillRef>
-          <a:effectRef idx="0">
-            <a:schemeClr val="accent1"/>
-          </a:effectRef>
-          <a:fontRef idx="minor">
-            <a:schemeClr val="lt1"/>
-          </a:fontRef>
-        </p:style>
-        <p:txBody>
-          <a:bodyPr rtlCol="0" anchor="ctr"/>
-          <a:lstStyle/>
-          <a:p>
-            <a:pPr algn="ctr" defTabSz="914400"/>
-            <a:endParaRPr kumimoji="0" lang="zh-CN" altLang="en-US" sz="1800" b="0" i="0" u="none" strike="noStrike" kern="0" cap="none" spc="0" normalizeH="0" baseline="0" noProof="0" dirty="0">
-              <a:ln>
-                <a:noFill/>
-              </a:ln>
-              <a:solidFill>
-                <a:sysClr val="windowText" lastClr="000000"/>
-              </a:solidFill>
-              <a:effectLst/>
-              <a:uLnTx/>
-              <a:uFillTx/>
-              <a:cs typeface="+mn-ea"/>
-              <a:sym typeface="+mn-lt"/>
-            </a:endParaRPr>
-          </a:p>
-        </p:txBody>
-      </p:sp>
-      <p:sp>
-        <p:nvSpPr>
-          <p:cNvPr id="12" name="矩形 11"/>
+          <p:cNvPr id="9" name="矩形 8"/>
           <p:cNvSpPr/>
           <p:nvPr/>
         </p:nvSpPr>
@@ -9175,6 +8314,36 @@
           </a:p>
         </p:txBody>
       </p:sp>
+      <p:pic>
+        <p:nvPicPr>
+          <p:cNvPr id="10" name="图片 9"/>
+          <p:cNvPicPr>
+            <a:picLocks noChangeAspect="1"/>
+          </p:cNvPicPr>
+          <p:nvPr/>
+        </p:nvPicPr>
+        <p:blipFill>
+          <a:blip r:embed="rId1">
+            <a:extLst>
+              <a:ext uri="{28A0092B-C50C-407E-A947-70E740481C1C}">
+                <a14:useLocalDpi xmlns:a14="http://schemas.microsoft.com/office/drawing/2010/main" val="0"/>
+              </a:ext>
+            </a:extLst>
+          </a:blip>
+          <a:stretch>
+            <a:fillRect/>
+          </a:stretch>
+        </p:blipFill>
+        <p:spPr>
+          <a:xfrm>
+            <a:off x="0" y="824983"/>
+            <a:ext cx="9144000" cy="3718241"/>
+          </a:xfrm>
+          <a:prstGeom prst="rect">
+            <a:avLst/>
+          </a:prstGeom>
+        </p:spPr>
+      </p:pic>
     </p:spTree>
   </p:cSld>
   <p:clrMapOvr>
@@ -9207,81 +8376,6 @@
           <a:chExt cx="0" cy="0"/>
         </a:xfrm>
       </p:grpSpPr>
-      <p:pic>
-        <p:nvPicPr>
-          <p:cNvPr id="4" name="图片 3"/>
-          <p:cNvPicPr>
-            <a:picLocks noChangeAspect="1"/>
-          </p:cNvPicPr>
-          <p:nvPr/>
-        </p:nvPicPr>
-        <p:blipFill>
-          <a:blip r:embed="rId3">
-            <a:extLst>
-              <a:ext uri="{28A0092B-C50C-407E-A947-70E740481C1C}">
-                <a14:useLocalDpi xmlns:a14="http://schemas.microsoft.com/office/drawing/2010/main" val="0"/>
-              </a:ext>
-            </a:extLst>
-          </a:blip>
-          <a:stretch>
-            <a:fillRect/>
-          </a:stretch>
-        </p:blipFill>
-        <p:spPr>
-          <a:xfrm>
-            <a:off x="0" y="1010740"/>
-            <a:ext cx="9144000" cy="3513360"/>
-          </a:xfrm>
-          <a:prstGeom prst="rect">
-            <a:avLst/>
-          </a:prstGeom>
-        </p:spPr>
-      </p:pic>
-      <p:sp>
-        <p:nvSpPr>
-          <p:cNvPr id="2" name="内容占位符 1"/>
-          <p:cNvSpPr>
-            <a:spLocks noGrp="1"/>
-          </p:cNvSpPr>
-          <p:nvPr>
-            <p:ph idx="1"/>
-          </p:nvPr>
-        </p:nvSpPr>
-        <p:spPr>
-          <a:xfrm>
-            <a:off x="6623788" y="3464025"/>
-            <a:ext cx="5040424" cy="2880320"/>
-          </a:xfrm>
-        </p:spPr>
-        <p:txBody>
-          <a:bodyPr/>
-          <a:lstStyle/>
-          <a:p>
-            <a:r>
-              <a:rPr lang="zh-CN" altLang="en-US" dirty="0" smtClean="0"/>
-              <a:t>办公场景</a:t>
-            </a:r>
-            <a:endParaRPr lang="en-US" altLang="zh-CN" dirty="0" smtClean="0"/>
-          </a:p>
-          <a:p>
-            <a:r>
-              <a:rPr lang="zh-CN" altLang="en-US" dirty="0" smtClean="0"/>
-              <a:t>文档标准化</a:t>
-            </a:r>
-            <a:endParaRPr lang="en-US" altLang="zh-CN" dirty="0" smtClean="0"/>
-          </a:p>
-          <a:p>
-            <a:r>
-              <a:rPr lang="zh-CN" altLang="en-US" dirty="0" smtClean="0"/>
-              <a:t>良好的代码设</a:t>
-            </a:r>
-            <a:r>
-              <a:rPr lang="zh-CN" altLang="en-US" dirty="0"/>
-              <a:t>计</a:t>
-            </a:r>
-          </a:p>
-        </p:txBody>
-      </p:sp>
       <p:sp>
         <p:nvSpPr>
           <p:cNvPr id="3" name="标题 2"/>
@@ -9298,20 +8392,12 @@
           <a:lstStyle/>
           <a:p>
             <a:r>
-              <a:rPr lang="zh-CN" altLang="en-US" dirty="0">
+              <a:rPr lang="zh-CN" altLang="en-US" dirty="0" smtClean="0">
                 <a:solidFill>
                   <a:srgbClr val="CA022A"/>
                 </a:solidFill>
               </a:rPr>
-              <a:t>项</a:t>
-            </a:r>
-            <a:r>
-              <a:rPr lang="zh-CN" altLang="en-US" dirty="0" smtClean="0">
-                <a:solidFill>
-                  <a:srgbClr val="CA022A"/>
-                </a:solidFill>
-              </a:rPr>
-              <a:t>目见解</a:t>
+              <a:t>实际应用</a:t>
             </a:r>
             <a:r>
               <a:rPr lang="en-US" altLang="zh-CN" dirty="0" smtClean="0">
@@ -9327,7 +8413,7 @@
                   <a:srgbClr val="CA022A"/>
                 </a:solidFill>
               </a:rPr>
-              <a:t>展望</a:t>
+              <a:t>面向对象</a:t>
             </a:r>
             <a:endParaRPr lang="zh-CN" altLang="en-US" sz="2000" dirty="0"/>
           </a:p>
@@ -9450,15 +8536,74 @@
           <a:p>
             <a:fld id="{0C913308-F349-4B6D-A68A-DD1791B4A57B}" type="slidenum">
               <a:rPr lang="zh-CN" altLang="en-US" smtClean="0"/>
-              <a:t>8</a:t>
             </a:fld>
             <a:endParaRPr lang="zh-CN" altLang="en-US" dirty="0"/>
           </a:p>
         </p:txBody>
       </p:sp>
+      <p:pic>
+        <p:nvPicPr>
+          <p:cNvPr id="9" name="图片 8"/>
+          <p:cNvPicPr>
+            <a:picLocks noChangeAspect="1"/>
+          </p:cNvPicPr>
+          <p:nvPr/>
+        </p:nvPicPr>
+        <p:blipFill>
+          <a:blip r:embed="rId1">
+            <a:extLst>
+              <a:ext uri="{28A0092B-C50C-407E-A947-70E740481C1C}">
+                <a14:useLocalDpi xmlns:a14="http://schemas.microsoft.com/office/drawing/2010/main" val="0"/>
+              </a:ext>
+            </a:extLst>
+          </a:blip>
+          <a:stretch>
+            <a:fillRect/>
+          </a:stretch>
+        </p:blipFill>
+        <p:spPr>
+          <a:xfrm>
+            <a:off x="0" y="1056084"/>
+            <a:ext cx="4427984" cy="3586017"/>
+          </a:xfrm>
+          <a:prstGeom prst="rect">
+            <a:avLst/>
+          </a:prstGeom>
+        </p:spPr>
+      </p:pic>
+      <p:pic>
+        <p:nvPicPr>
+          <p:cNvPr id="12" name="图片 11"/>
+          <p:cNvPicPr>
+            <a:picLocks noChangeAspect="1"/>
+          </p:cNvPicPr>
+          <p:nvPr/>
+        </p:nvPicPr>
+        <p:blipFill>
+          <a:blip r:embed="rId2">
+            <a:extLst>
+              <a:ext uri="{28A0092B-C50C-407E-A947-70E740481C1C}">
+                <a14:useLocalDpi xmlns:a14="http://schemas.microsoft.com/office/drawing/2010/main" val="0"/>
+              </a:ext>
+            </a:extLst>
+          </a:blip>
+          <a:stretch>
+            <a:fillRect/>
+          </a:stretch>
+        </p:blipFill>
+        <p:spPr>
+          <a:xfrm>
+            <a:off x="4458362" y="1056083"/>
+            <a:ext cx="5226206" cy="3586017"/>
+          </a:xfrm>
+          <a:prstGeom prst="rect">
+            <a:avLst/>
+          </a:prstGeom>
+        </p:spPr>
+      </p:pic>
       <p:sp>
         <p:nvSpPr>
-          <p:cNvPr id="9" name="矩形 8"/>
+          <p:cNvPr id="13" name="矩形 12"/>
           <p:cNvSpPr/>
           <p:nvPr/>
         </p:nvSpPr>
@@ -9503,11 +8648,6 @@
         </p:txBody>
       </p:sp>
     </p:spTree>
-    <p:extLst>
-      <p:ext uri="{BB962C8B-B14F-4D97-AF65-F5344CB8AC3E}">
-        <p14:creationId xmlns:p14="http://schemas.microsoft.com/office/powerpoint/2010/main" val="2424838715"/>
-      </p:ext>
-    </p:extLst>
   </p:cSld>
   <p:clrMapOvr>
     <a:masterClrMapping/>
@@ -9851,7 +8991,6 @@
       </a:style>
     </a:spDef>
   </a:objectDefaults>
-  <a:extraClrSchemeLst/>
   <a:extLst>
     <a:ext uri="{05A4C25C-085E-4340-85A3-A5531E510DB2}">
       <thm15:themeFamily xmlns:thm15="http://schemas.microsoft.com/office/thememl/2012/main" name="Office Theme" id="{62F939B6-93AF-4DB8-9C6B-D6C7DFDC589F}" vid="{4A3C46E8-61CC-4603-A589-7422A47A8E4A}"/>
@@ -10111,8 +9250,6 @@
       </a:bgFillStyleLst>
     </a:fmtScheme>
   </a:themeElements>
-  <a:objectDefaults/>
-  <a:extraClrSchemeLst/>
   <a:extLst>
     <a:ext uri="{05A4C25C-085E-4340-85A3-A5531E510DB2}">
       <thm15:themeFamily xmlns:thm15="http://schemas.microsoft.com/office/thememl/2012/main" name="Office Theme" id="{62F939B6-93AF-4DB8-9C6B-D6C7DFDC589F}" vid="{4A3C46E8-61CC-4603-A589-7422A47A8E4A}"/>
@@ -10437,7 +9574,6 @@
       </a:style>
     </a:lnDef>
   </a:objectDefaults>
-  <a:extraClrSchemeLst/>
   <a:extLst>
     <a:ext uri="{05A4C25C-085E-4340-85A3-A5531E510DB2}">
       <thm15:themeFamily xmlns:thm15="http://schemas.microsoft.com/office/thememl/2012/main" name="Office Theme" id="{62F939B6-93AF-4DB8-9C6B-D6C7DFDC589F}" vid="{4A3C46E8-61CC-4603-A589-7422A47A8E4A}"/>
